--- a/documentation/MotorRec2015.pptx
+++ b/documentation/MotorRec2015.pptx
@@ -423,7 +423,7 @@
               <a:pPr>
                 <a:defRPr/>
               </a:pPr>
-              <a:t>2/16/2015</a:t>
+              <a:t>3/10/2015</a:t>
             </a:fld>
             <a:endParaRPr lang="en-US"/>
           </a:p>
@@ -664,7 +664,7 @@
               <a:pPr>
                 <a:defRPr/>
               </a:pPr>
-              <a:t>2/16/2015</a:t>
+              <a:t>3/10/2015</a:t>
             </a:fld>
             <a:endParaRPr lang="en-US"/>
           </a:p>
@@ -25198,7 +25198,7 @@
           <a:graphicData uri="http://schemas.openxmlformats.org/presentationml/2006/ole">
             <mc:AlternateContent xmlns:mc="http://schemas.openxmlformats.org/markup-compatibility/2006">
               <mc:Choice xmlns:v="urn:schemas-microsoft-com:vml" Requires="v">
-                <p:oleObj spid="_x0000_s30742" name="Equation" r:id="rId4" imgW="2717800" imgH="457200" progId="Equation.3">
+                <p:oleObj spid="_x0000_s30758" name="Equation" r:id="rId4" imgW="2717800" imgH="457200" progId="Equation.3">
                   <p:embed/>
                 </p:oleObj>
               </mc:Choice>
@@ -26047,7 +26047,7 @@
             <a:graphicData uri="http://schemas.openxmlformats.org/presentationml/2006/ole">
               <mc:AlternateContent xmlns:mc="http://schemas.openxmlformats.org/markup-compatibility/2006">
                 <mc:Choice xmlns:v="urn:schemas-microsoft-com:vml" Requires="v">
-                  <p:oleObj spid="_x0000_s31766" name="Equation" r:id="rId5" imgW="3949700" imgH="457200" progId="Equation.3">
+                  <p:oleObj spid="_x0000_s31782" name="Equation" r:id="rId5" imgW="3949700" imgH="457200" progId="Equation.3">
                     <p:embed/>
                   </p:oleObj>
                 </mc:Choice>
@@ -28668,7 +28668,12 @@
             <p:ph type="title"/>
           </p:nvPr>
         </p:nvSpPr>
-        <p:spPr/>
+        <p:spPr>
+          <a:xfrm>
+            <a:off x="533400" y="200562"/>
+            <a:ext cx="8229600" cy="1143000"/>
+          </a:xfrm>
+        </p:spPr>
         <p:txBody>
           <a:bodyPr/>
           <a:lstStyle/>
@@ -28690,8 +28695,8 @@
         </p:nvSpPr>
         <p:spPr bwMode="auto">
           <a:xfrm>
-            <a:off x="7197725" y="3571875"/>
-            <a:ext cx="868363" cy="536575"/>
+            <a:off x="6244324" y="3159235"/>
+            <a:ext cx="632725" cy="476071"/>
           </a:xfrm>
           <a:prstGeom prst="ellipse">
             <a:avLst/>
@@ -28702,6 +28707,244 @@
               <a:schemeClr val="tx1"/>
             </a:solidFill>
             <a:round/>
+            <a:headEnd/>
+            <a:tailEnd/>
+          </a:ln>
+          <a:effectLst/>
+          <a:extLst>
+            <a:ext uri="{909E8E84-426E-40DD-AFC4-6F175D3DCCD1}">
+              <a14:hiddenFill xmlns:a14="http://schemas.microsoft.com/office/drawing/2010/main">
+                <a:solidFill>
+                  <a:schemeClr val="accent1"/>
+                </a:solidFill>
+              </a14:hiddenFill>
+            </a:ext>
+            <a:ext uri="{AF507438-7753-43E0-B8FC-AC1667EBCBE1}">
+              <a14:hiddenEffects xmlns:a14="http://schemas.microsoft.com/office/drawing/2010/main">
+                <a:effectLst>
+                  <a:outerShdw dist="35921" dir="2700000" algn="ctr" rotWithShape="0">
+                    <a:schemeClr val="bg2"/>
+                  </a:outerShdw>
+                </a:effectLst>
+              </a14:hiddenEffects>
+            </a:ext>
+          </a:extLst>
+        </p:spPr>
+        <p:txBody>
+          <a:bodyPr wrap="square" anchor="ctr">
+            <a:spAutoFit/>
+          </a:bodyPr>
+          <a:lstStyle>
+            <a:lvl1pPr>
+              <a:spcBef>
+                <a:spcPct val="10000"/>
+              </a:spcBef>
+              <a:spcAft>
+                <a:spcPct val="10000"/>
+              </a:spcAft>
+              <a:buClr>
+                <a:srgbClr val="C28500"/>
+              </a:buClr>
+              <a:buSzPct val="125000"/>
+              <a:buFont typeface="Times"/>
+              <a:buChar char="•"/>
+              <a:defRPr sz="2000" b="1">
+                <a:solidFill>
+                  <a:schemeClr val="tx1"/>
+                </a:solidFill>
+                <a:latin typeface="Arial" charset="0"/>
+              </a:defRPr>
+            </a:lvl1pPr>
+            <a:lvl2pPr marL="742950" indent="-285750">
+              <a:spcBef>
+                <a:spcPct val="10000"/>
+              </a:spcBef>
+              <a:spcAft>
+                <a:spcPct val="10000"/>
+              </a:spcAft>
+              <a:buClr>
+                <a:schemeClr val="tx1"/>
+              </a:buClr>
+              <a:buChar char="-"/>
+              <a:defRPr sz="2000">
+                <a:solidFill>
+                  <a:schemeClr val="tx1"/>
+                </a:solidFill>
+                <a:latin typeface="Arial" charset="0"/>
+              </a:defRPr>
+            </a:lvl2pPr>
+            <a:lvl3pPr marL="1143000" indent="-228600">
+              <a:spcBef>
+                <a:spcPct val="10000"/>
+              </a:spcBef>
+              <a:spcAft>
+                <a:spcPct val="10000"/>
+              </a:spcAft>
+              <a:buClr>
+                <a:schemeClr val="tx1"/>
+              </a:buClr>
+              <a:buFont typeface="Times"/>
+              <a:buChar char="-"/>
+              <a:defRPr sz="2000" i="1">
+                <a:solidFill>
+                  <a:schemeClr val="tx1"/>
+                </a:solidFill>
+                <a:latin typeface="Arial" charset="0"/>
+              </a:defRPr>
+            </a:lvl3pPr>
+            <a:lvl4pPr marL="1600200" indent="-228600">
+              <a:spcBef>
+                <a:spcPct val="10000"/>
+              </a:spcBef>
+              <a:spcAft>
+                <a:spcPct val="10000"/>
+              </a:spcAft>
+              <a:buClr>
+                <a:schemeClr val="tx1"/>
+              </a:buClr>
+              <a:buFont typeface="Times"/>
+              <a:buChar char="-"/>
+              <a:defRPr sz="2000">
+                <a:solidFill>
+                  <a:schemeClr val="tx1"/>
+                </a:solidFill>
+                <a:latin typeface="Arial" charset="0"/>
+              </a:defRPr>
+            </a:lvl4pPr>
+            <a:lvl5pPr marL="2057400" indent="-228600">
+              <a:spcBef>
+                <a:spcPct val="10000"/>
+              </a:spcBef>
+              <a:spcAft>
+                <a:spcPct val="10000"/>
+              </a:spcAft>
+              <a:buClr>
+                <a:schemeClr val="tx1"/>
+              </a:buClr>
+              <a:buChar char="•"/>
+              <a:defRPr sz="2000">
+                <a:solidFill>
+                  <a:schemeClr val="tx1"/>
+                </a:solidFill>
+                <a:latin typeface="Arial" charset="0"/>
+              </a:defRPr>
+            </a:lvl5pPr>
+            <a:lvl6pPr marL="2514600" indent="-228600" eaLnBrk="0" fontAlgn="base" hangingPunct="0">
+              <a:spcBef>
+                <a:spcPct val="10000"/>
+              </a:spcBef>
+              <a:spcAft>
+                <a:spcPct val="10000"/>
+              </a:spcAft>
+              <a:buClr>
+                <a:schemeClr val="tx1"/>
+              </a:buClr>
+              <a:buChar char="•"/>
+              <a:defRPr sz="2000">
+                <a:solidFill>
+                  <a:schemeClr val="tx1"/>
+                </a:solidFill>
+                <a:latin typeface="Arial" charset="0"/>
+              </a:defRPr>
+            </a:lvl6pPr>
+            <a:lvl7pPr marL="2971800" indent="-228600" eaLnBrk="0" fontAlgn="base" hangingPunct="0">
+              <a:spcBef>
+                <a:spcPct val="10000"/>
+              </a:spcBef>
+              <a:spcAft>
+                <a:spcPct val="10000"/>
+              </a:spcAft>
+              <a:buClr>
+                <a:schemeClr val="tx1"/>
+              </a:buClr>
+              <a:buChar char="•"/>
+              <a:defRPr sz="2000">
+                <a:solidFill>
+                  <a:schemeClr val="tx1"/>
+                </a:solidFill>
+                <a:latin typeface="Arial" charset="0"/>
+              </a:defRPr>
+            </a:lvl7pPr>
+            <a:lvl8pPr marL="3429000" indent="-228600" eaLnBrk="0" fontAlgn="base" hangingPunct="0">
+              <a:spcBef>
+                <a:spcPct val="10000"/>
+              </a:spcBef>
+              <a:spcAft>
+                <a:spcPct val="10000"/>
+              </a:spcAft>
+              <a:buClr>
+                <a:schemeClr val="tx1"/>
+              </a:buClr>
+              <a:buChar char="•"/>
+              <a:defRPr sz="2000">
+                <a:solidFill>
+                  <a:schemeClr val="tx1"/>
+                </a:solidFill>
+                <a:latin typeface="Arial" charset="0"/>
+              </a:defRPr>
+            </a:lvl8pPr>
+            <a:lvl9pPr marL="3886200" indent="-228600" eaLnBrk="0" fontAlgn="base" hangingPunct="0">
+              <a:spcBef>
+                <a:spcPct val="10000"/>
+              </a:spcBef>
+              <a:spcAft>
+                <a:spcPct val="10000"/>
+              </a:spcAft>
+              <a:buClr>
+                <a:schemeClr val="tx1"/>
+              </a:buClr>
+              <a:buChar char="•"/>
+              <a:defRPr sz="2000">
+                <a:solidFill>
+                  <a:schemeClr val="tx1"/>
+                </a:solidFill>
+                <a:latin typeface="Arial" charset="0"/>
+              </a:defRPr>
+            </a:lvl9pPr>
+          </a:lstStyle>
+          <a:p>
+            <a:pPr algn="ctr">
+              <a:spcBef>
+                <a:spcPct val="50000"/>
+              </a:spcBef>
+              <a:spcAft>
+                <a:spcPct val="0"/>
+              </a:spcAft>
+              <a:buClrTx/>
+              <a:buSzTx/>
+              <a:buFontTx/>
+              <a:buNone/>
+            </a:pPr>
+            <a:r>
+              <a:rPr lang="en-US" altLang="en-US" sz="1600" dirty="0"/>
+              <a:t>X </a:t>
+            </a:r>
+            <a:endParaRPr lang="en-US" altLang="en-US" sz="1600" dirty="0" smtClean="0"/>
+          </a:p>
+        </p:txBody>
+      </p:sp>
+      <p:sp>
+        <p:nvSpPr>
+          <p:cNvPr id="51204" name="Rectangle 12"/>
+          <p:cNvSpPr>
+            <a:spLocks noChangeArrowheads="1"/>
+          </p:cNvSpPr>
+          <p:nvPr/>
+        </p:nvSpPr>
+        <p:spPr bwMode="auto">
+          <a:xfrm>
+            <a:off x="8083039" y="3238521"/>
+            <a:ext cx="709612" cy="317500"/>
+          </a:xfrm>
+          <a:prstGeom prst="rect">
+            <a:avLst/>
+          </a:prstGeom>
+          <a:noFill/>
+          <a:ln w="12700" algn="ctr">
+            <a:solidFill>
+              <a:schemeClr val="tx1"/>
+            </a:solidFill>
+            <a:miter lim="800000"/>
             <a:headEnd/>
             <a:tailEnd/>
           </a:ln>
@@ -28911,23 +29154,15 @@
               <a:buNone/>
             </a:pPr>
             <a:r>
-              <a:rPr lang="en-US" altLang="en-US" sz="1600" dirty="0"/>
-              <a:t>X </a:t>
-            </a:r>
-            <a:r>
-              <a:rPr lang="en-US" altLang="en-US" dirty="0"/>
-              <a:t>/ </a:t>
-            </a:r>
-            <a:r>
-              <a:rPr lang="en-US" altLang="en-US" sz="1800" dirty="0"/>
-              <a:t>+</a:t>
+              <a:rPr lang="en-US" altLang="en-US" sz="1400" dirty="0"/>
+              <a:t>RBV</a:t>
             </a:r>
           </a:p>
         </p:txBody>
       </p:sp>
       <p:sp>
         <p:nvSpPr>
-          <p:cNvPr id="51204" name="Rectangle 12"/>
+          <p:cNvPr id="51205" name="Rectangle 73"/>
           <p:cNvSpPr>
             <a:spLocks noChangeArrowheads="1"/>
           </p:cNvSpPr>
@@ -28935,8 +29170,8 @@
         </p:nvSpPr>
         <p:spPr bwMode="auto">
           <a:xfrm>
-            <a:off x="8288338" y="3676650"/>
-            <a:ext cx="709612" cy="317500"/>
+            <a:off x="7201975" y="4259628"/>
+            <a:ext cx="684213" cy="317500"/>
           </a:xfrm>
           <a:prstGeom prst="rect">
             <a:avLst/>
@@ -29157,14 +29392,14 @@
             </a:pPr>
             <a:r>
               <a:rPr lang="en-US" altLang="en-US" sz="1400" dirty="0"/>
-              <a:t>RBV</a:t>
+              <a:t>OFF</a:t>
             </a:r>
           </a:p>
         </p:txBody>
       </p:sp>
       <p:sp>
         <p:nvSpPr>
-          <p:cNvPr id="51205" name="Rectangle 73"/>
+          <p:cNvPr id="51206" name="Rectangle 74"/>
           <p:cNvSpPr>
             <a:spLocks noChangeArrowheads="1"/>
           </p:cNvSpPr>
@@ -29172,8 +29407,8 @@
         </p:nvSpPr>
         <p:spPr bwMode="auto">
           <a:xfrm>
-            <a:off x="7607300" y="4598988"/>
-            <a:ext cx="684213" cy="317500"/>
+            <a:off x="6038686" y="2169281"/>
+            <a:ext cx="1071562" cy="307975"/>
           </a:xfrm>
           <a:prstGeom prst="rect">
             <a:avLst/>
@@ -29394,243 +29629,6 @@
             </a:pPr>
             <a:r>
               <a:rPr lang="en-US" altLang="en-US" sz="1400" dirty="0"/>
-              <a:t>OFF</a:t>
-            </a:r>
-          </a:p>
-        </p:txBody>
-      </p:sp>
-      <p:sp>
-        <p:nvSpPr>
-          <p:cNvPr id="51206" name="Rectangle 74"/>
-          <p:cNvSpPr>
-            <a:spLocks noChangeArrowheads="1"/>
-          </p:cNvSpPr>
-          <p:nvPr/>
-        </p:nvSpPr>
-        <p:spPr bwMode="auto">
-          <a:xfrm>
-            <a:off x="6878638" y="2857500"/>
-            <a:ext cx="1071562" cy="307975"/>
-          </a:xfrm>
-          <a:prstGeom prst="rect">
-            <a:avLst/>
-          </a:prstGeom>
-          <a:noFill/>
-          <a:ln w="12700" algn="ctr">
-            <a:solidFill>
-              <a:schemeClr val="tx1"/>
-            </a:solidFill>
-            <a:miter lim="800000"/>
-            <a:headEnd/>
-            <a:tailEnd/>
-          </a:ln>
-          <a:effectLst/>
-          <a:extLst>
-            <a:ext uri="{909E8E84-426E-40DD-AFC4-6F175D3DCCD1}">
-              <a14:hiddenFill xmlns:a14="http://schemas.microsoft.com/office/drawing/2010/main">
-                <a:solidFill>
-                  <a:schemeClr val="accent1"/>
-                </a:solidFill>
-              </a14:hiddenFill>
-            </a:ext>
-            <a:ext uri="{AF507438-7753-43E0-B8FC-AC1667EBCBE1}">
-              <a14:hiddenEffects xmlns:a14="http://schemas.microsoft.com/office/drawing/2010/main">
-                <a:effectLst>
-                  <a:outerShdw dist="35921" dir="2700000" algn="ctr" rotWithShape="0">
-                    <a:schemeClr val="bg2"/>
-                  </a:outerShdw>
-                </a:effectLst>
-              </a14:hiddenEffects>
-            </a:ext>
-          </a:extLst>
-        </p:spPr>
-        <p:txBody>
-          <a:bodyPr anchor="ctr">
-            <a:spAutoFit/>
-          </a:bodyPr>
-          <a:lstStyle>
-            <a:lvl1pPr>
-              <a:spcBef>
-                <a:spcPct val="10000"/>
-              </a:spcBef>
-              <a:spcAft>
-                <a:spcPct val="10000"/>
-              </a:spcAft>
-              <a:buClr>
-                <a:srgbClr val="C28500"/>
-              </a:buClr>
-              <a:buSzPct val="125000"/>
-              <a:buFont typeface="Times"/>
-              <a:buChar char="•"/>
-              <a:defRPr sz="2000" b="1">
-                <a:solidFill>
-                  <a:schemeClr val="tx1"/>
-                </a:solidFill>
-                <a:latin typeface="Arial" charset="0"/>
-              </a:defRPr>
-            </a:lvl1pPr>
-            <a:lvl2pPr marL="742950" indent="-285750">
-              <a:spcBef>
-                <a:spcPct val="10000"/>
-              </a:spcBef>
-              <a:spcAft>
-                <a:spcPct val="10000"/>
-              </a:spcAft>
-              <a:buClr>
-                <a:schemeClr val="tx1"/>
-              </a:buClr>
-              <a:buChar char="-"/>
-              <a:defRPr sz="2000">
-                <a:solidFill>
-                  <a:schemeClr val="tx1"/>
-                </a:solidFill>
-                <a:latin typeface="Arial" charset="0"/>
-              </a:defRPr>
-            </a:lvl2pPr>
-            <a:lvl3pPr marL="1143000" indent="-228600">
-              <a:spcBef>
-                <a:spcPct val="10000"/>
-              </a:spcBef>
-              <a:spcAft>
-                <a:spcPct val="10000"/>
-              </a:spcAft>
-              <a:buClr>
-                <a:schemeClr val="tx1"/>
-              </a:buClr>
-              <a:buFont typeface="Times"/>
-              <a:buChar char="-"/>
-              <a:defRPr sz="2000" i="1">
-                <a:solidFill>
-                  <a:schemeClr val="tx1"/>
-                </a:solidFill>
-                <a:latin typeface="Arial" charset="0"/>
-              </a:defRPr>
-            </a:lvl3pPr>
-            <a:lvl4pPr marL="1600200" indent="-228600">
-              <a:spcBef>
-                <a:spcPct val="10000"/>
-              </a:spcBef>
-              <a:spcAft>
-                <a:spcPct val="10000"/>
-              </a:spcAft>
-              <a:buClr>
-                <a:schemeClr val="tx1"/>
-              </a:buClr>
-              <a:buFont typeface="Times"/>
-              <a:buChar char="-"/>
-              <a:defRPr sz="2000">
-                <a:solidFill>
-                  <a:schemeClr val="tx1"/>
-                </a:solidFill>
-                <a:latin typeface="Arial" charset="0"/>
-              </a:defRPr>
-            </a:lvl4pPr>
-            <a:lvl5pPr marL="2057400" indent="-228600">
-              <a:spcBef>
-                <a:spcPct val="10000"/>
-              </a:spcBef>
-              <a:spcAft>
-                <a:spcPct val="10000"/>
-              </a:spcAft>
-              <a:buClr>
-                <a:schemeClr val="tx1"/>
-              </a:buClr>
-              <a:buChar char="•"/>
-              <a:defRPr sz="2000">
-                <a:solidFill>
-                  <a:schemeClr val="tx1"/>
-                </a:solidFill>
-                <a:latin typeface="Arial" charset="0"/>
-              </a:defRPr>
-            </a:lvl5pPr>
-            <a:lvl6pPr marL="2514600" indent="-228600" eaLnBrk="0" fontAlgn="base" hangingPunct="0">
-              <a:spcBef>
-                <a:spcPct val="10000"/>
-              </a:spcBef>
-              <a:spcAft>
-                <a:spcPct val="10000"/>
-              </a:spcAft>
-              <a:buClr>
-                <a:schemeClr val="tx1"/>
-              </a:buClr>
-              <a:buChar char="•"/>
-              <a:defRPr sz="2000">
-                <a:solidFill>
-                  <a:schemeClr val="tx1"/>
-                </a:solidFill>
-                <a:latin typeface="Arial" charset="0"/>
-              </a:defRPr>
-            </a:lvl6pPr>
-            <a:lvl7pPr marL="2971800" indent="-228600" eaLnBrk="0" fontAlgn="base" hangingPunct="0">
-              <a:spcBef>
-                <a:spcPct val="10000"/>
-              </a:spcBef>
-              <a:spcAft>
-                <a:spcPct val="10000"/>
-              </a:spcAft>
-              <a:buClr>
-                <a:schemeClr val="tx1"/>
-              </a:buClr>
-              <a:buChar char="•"/>
-              <a:defRPr sz="2000">
-                <a:solidFill>
-                  <a:schemeClr val="tx1"/>
-                </a:solidFill>
-                <a:latin typeface="Arial" charset="0"/>
-              </a:defRPr>
-            </a:lvl7pPr>
-            <a:lvl8pPr marL="3429000" indent="-228600" eaLnBrk="0" fontAlgn="base" hangingPunct="0">
-              <a:spcBef>
-                <a:spcPct val="10000"/>
-              </a:spcBef>
-              <a:spcAft>
-                <a:spcPct val="10000"/>
-              </a:spcAft>
-              <a:buClr>
-                <a:schemeClr val="tx1"/>
-              </a:buClr>
-              <a:buChar char="•"/>
-              <a:defRPr sz="2000">
-                <a:solidFill>
-                  <a:schemeClr val="tx1"/>
-                </a:solidFill>
-                <a:latin typeface="Arial" charset="0"/>
-              </a:defRPr>
-            </a:lvl8pPr>
-            <a:lvl9pPr marL="3886200" indent="-228600" eaLnBrk="0" fontAlgn="base" hangingPunct="0">
-              <a:spcBef>
-                <a:spcPct val="10000"/>
-              </a:spcBef>
-              <a:spcAft>
-                <a:spcPct val="10000"/>
-              </a:spcAft>
-              <a:buClr>
-                <a:schemeClr val="tx1"/>
-              </a:buClr>
-              <a:buChar char="•"/>
-              <a:defRPr sz="2000">
-                <a:solidFill>
-                  <a:schemeClr val="tx1"/>
-                </a:solidFill>
-                <a:latin typeface="Arial" charset="0"/>
-              </a:defRPr>
-            </a:lvl9pPr>
-          </a:lstStyle>
-          <a:p>
-            <a:pPr algn="ctr">
-              <a:spcBef>
-                <a:spcPct val="50000"/>
-              </a:spcBef>
-              <a:spcAft>
-                <a:spcPct val="0"/>
-              </a:spcAft>
-              <a:buClrTx/>
-              <a:buSzTx/>
-              <a:buFontTx/>
-              <a:buNone/>
-            </a:pPr>
-            <a:r>
-              <a:rPr lang="en-US" altLang="en-US" sz="1400" dirty="0"/>
               <a:t>DIR: +/- 1</a:t>
             </a:r>
           </a:p>
@@ -29642,14 +29640,14 @@
           <p:cNvCxnSpPr>
             <a:cxnSpLocks noChangeShapeType="1"/>
             <a:stCxn id="51206" idx="2"/>
-            <a:endCxn id="51203" idx="1"/>
+            <a:endCxn id="51203" idx="0"/>
           </p:cNvCxnSpPr>
           <p:nvPr/>
         </p:nvCxnSpPr>
         <p:spPr bwMode="auto">
           <a:xfrm flipH="1">
-            <a:off x="7324725" y="3165475"/>
-            <a:ext cx="90488" cy="484188"/>
+            <a:off x="6560687" y="2477256"/>
+            <a:ext cx="13780" cy="681979"/>
           </a:xfrm>
           <a:prstGeom prst="straightConnector1">
             <a:avLst/>
@@ -29687,15 +29685,13 @@
           <p:cNvPr id="51208" name="AutoShape 77"/>
           <p:cNvCxnSpPr>
             <a:cxnSpLocks noChangeShapeType="1"/>
-            <a:stCxn id="51205" idx="0"/>
-            <a:endCxn id="51203" idx="5"/>
           </p:cNvCxnSpPr>
           <p:nvPr/>
         </p:nvCxnSpPr>
         <p:spPr bwMode="auto">
-          <a:xfrm flipH="1" flipV="1">
-            <a:off x="7939088" y="4030663"/>
-            <a:ext cx="11112" cy="568325"/>
+          <a:xfrm flipV="1">
+            <a:off x="7513540" y="3668065"/>
+            <a:ext cx="0" cy="579904"/>
           </a:xfrm>
           <a:prstGeom prst="straightConnector1">
             <a:avLst/>
@@ -29734,14 +29730,14 @@
           <p:cNvCxnSpPr>
             <a:cxnSpLocks noChangeShapeType="1"/>
             <a:stCxn id="51203" idx="6"/>
-            <a:endCxn id="51204" idx="1"/>
+            <a:endCxn id="76" idx="2"/>
           </p:cNvCxnSpPr>
           <p:nvPr/>
         </p:nvCxnSpPr>
         <p:spPr bwMode="auto">
-          <a:xfrm flipV="1">
-            <a:off x="8066088" y="3835400"/>
-            <a:ext cx="222250" cy="4763"/>
+          <a:xfrm>
+            <a:off x="6877049" y="3397271"/>
+            <a:ext cx="286632" cy="11119"/>
           </a:xfrm>
           <a:prstGeom prst="straightConnector1">
             <a:avLst/>
@@ -29784,7 +29780,7 @@
         </p:nvSpPr>
         <p:spPr bwMode="auto">
           <a:xfrm>
-            <a:off x="314325" y="2803525"/>
+            <a:off x="159492" y="3238289"/>
             <a:ext cx="650875" cy="349250"/>
           </a:xfrm>
           <a:prstGeom prst="rect">
@@ -30021,7 +30017,7 @@
         </p:nvSpPr>
         <p:spPr bwMode="auto">
           <a:xfrm>
-            <a:off x="314325" y="3479800"/>
+            <a:off x="159492" y="1986581"/>
             <a:ext cx="650875" cy="349250"/>
           </a:xfrm>
           <a:prstGeom prst="rect">
@@ -30258,7 +30254,7 @@
         </p:nvSpPr>
         <p:spPr bwMode="auto">
           <a:xfrm>
-            <a:off x="4008438" y="3203575"/>
+            <a:off x="4005606" y="3180556"/>
             <a:ext cx="495300" cy="450850"/>
           </a:xfrm>
           <a:prstGeom prst="ellipse">
@@ -30732,7 +30728,7 @@
         </p:nvSpPr>
         <p:spPr bwMode="auto">
           <a:xfrm>
-            <a:off x="2190750" y="3290888"/>
+            <a:off x="2190750" y="3336131"/>
             <a:ext cx="142875" cy="142875"/>
           </a:xfrm>
           <a:prstGeom prst="ellipse">
@@ -30956,14 +30952,14 @@
           <p:cNvPr id="51215" name="AutoShape 48"/>
           <p:cNvCxnSpPr>
             <a:cxnSpLocks noChangeShapeType="1"/>
-            <a:stCxn id="51214" idx="2"/>
+            <a:endCxn id="51214" idx="2"/>
           </p:cNvCxnSpPr>
           <p:nvPr/>
         </p:nvCxnSpPr>
         <p:spPr bwMode="auto">
-          <a:xfrm flipH="1" flipV="1">
-            <a:off x="1674813" y="3011488"/>
-            <a:ext cx="515937" cy="350837"/>
+          <a:xfrm flipV="1">
+            <a:off x="811343" y="3407569"/>
+            <a:ext cx="1379407" cy="9614"/>
           </a:xfrm>
           <a:prstGeom prst="straightConnector1">
             <a:avLst/>
@@ -30973,8 +30969,9 @@
             <a:solidFill>
               <a:schemeClr val="tx1"/>
             </a:solidFill>
+            <a:prstDash val="dash"/>
             <a:round/>
-            <a:headEnd type="oval" w="med" len="med"/>
+            <a:headEnd type="none" w="med" len="med"/>
             <a:tailEnd type="triangle" w="med" len="med"/>
           </a:ln>
           <a:effectLst/>
@@ -31008,8 +31005,8 @@
         </p:nvCxnSpPr>
         <p:spPr bwMode="auto">
           <a:xfrm flipH="1" flipV="1">
-            <a:off x="2333625" y="3362325"/>
-            <a:ext cx="463550" cy="46038"/>
+            <a:off x="2333625" y="3407569"/>
+            <a:ext cx="463550" cy="794"/>
           </a:xfrm>
           <a:prstGeom prst="straightConnector1">
             <a:avLst/>
@@ -31290,9 +31287,9 @@
           <p:nvPr/>
         </p:nvCxnSpPr>
         <p:spPr bwMode="auto">
-          <a:xfrm>
-            <a:off x="3624263" y="3408363"/>
-            <a:ext cx="384175" cy="20637"/>
+          <a:xfrm flipV="1">
+            <a:off x="3624263" y="3405981"/>
+            <a:ext cx="381343" cy="2382"/>
           </a:xfrm>
           <a:prstGeom prst="straightConnector1">
             <a:avLst/>
@@ -31335,8 +31332,8 @@
         </p:nvSpPr>
         <p:spPr bwMode="auto">
           <a:xfrm>
-            <a:off x="2590800" y="3930650"/>
-            <a:ext cx="844550" cy="593725"/>
+            <a:off x="154448" y="5185435"/>
+            <a:ext cx="851569" cy="606425"/>
           </a:xfrm>
           <a:prstGeom prst="rect">
             <a:avLst/>
@@ -31347,6 +31344,243 @@
               <a:schemeClr val="tx1"/>
             </a:solidFill>
             <a:miter lim="800000"/>
+            <a:headEnd/>
+            <a:tailEnd/>
+          </a:ln>
+          <a:effectLst/>
+          <a:extLst>
+            <a:ext uri="{909E8E84-426E-40DD-AFC4-6F175D3DCCD1}">
+              <a14:hiddenFill xmlns:a14="http://schemas.microsoft.com/office/drawing/2010/main">
+                <a:solidFill>
+                  <a:schemeClr val="accent1"/>
+                </a:solidFill>
+              </a14:hiddenFill>
+            </a:ext>
+            <a:ext uri="{AF507438-7753-43E0-B8FC-AC1667EBCBE1}">
+              <a14:hiddenEffects xmlns:a14="http://schemas.microsoft.com/office/drawing/2010/main">
+                <a:effectLst>
+                  <a:outerShdw dist="35921" dir="2700000" algn="ctr" rotWithShape="0">
+                    <a:schemeClr val="bg2"/>
+                  </a:outerShdw>
+                </a:effectLst>
+              </a14:hiddenEffects>
+            </a:ext>
+          </a:extLst>
+        </p:spPr>
+        <p:txBody>
+          <a:bodyPr wrap="square" anchor="ctr">
+            <a:spAutoFit/>
+          </a:bodyPr>
+          <a:lstStyle>
+            <a:lvl1pPr>
+              <a:spcBef>
+                <a:spcPct val="10000"/>
+              </a:spcBef>
+              <a:spcAft>
+                <a:spcPct val="10000"/>
+              </a:spcAft>
+              <a:buClr>
+                <a:srgbClr val="C28500"/>
+              </a:buClr>
+              <a:buSzPct val="125000"/>
+              <a:buFont typeface="Times"/>
+              <a:buChar char="•"/>
+              <a:defRPr sz="2000" b="1">
+                <a:solidFill>
+                  <a:schemeClr val="tx1"/>
+                </a:solidFill>
+                <a:latin typeface="Arial" charset="0"/>
+              </a:defRPr>
+            </a:lvl1pPr>
+            <a:lvl2pPr marL="742950" indent="-285750">
+              <a:spcBef>
+                <a:spcPct val="10000"/>
+              </a:spcBef>
+              <a:spcAft>
+                <a:spcPct val="10000"/>
+              </a:spcAft>
+              <a:buClr>
+                <a:schemeClr val="tx1"/>
+              </a:buClr>
+              <a:buChar char="-"/>
+              <a:defRPr sz="2000">
+                <a:solidFill>
+                  <a:schemeClr val="tx1"/>
+                </a:solidFill>
+                <a:latin typeface="Arial" charset="0"/>
+              </a:defRPr>
+            </a:lvl2pPr>
+            <a:lvl3pPr marL="1143000" indent="-228600">
+              <a:spcBef>
+                <a:spcPct val="10000"/>
+              </a:spcBef>
+              <a:spcAft>
+                <a:spcPct val="10000"/>
+              </a:spcAft>
+              <a:buClr>
+                <a:schemeClr val="tx1"/>
+              </a:buClr>
+              <a:buFont typeface="Times"/>
+              <a:buChar char="-"/>
+              <a:defRPr sz="2000" i="1">
+                <a:solidFill>
+                  <a:schemeClr val="tx1"/>
+                </a:solidFill>
+                <a:latin typeface="Arial" charset="0"/>
+              </a:defRPr>
+            </a:lvl3pPr>
+            <a:lvl4pPr marL="1600200" indent="-228600">
+              <a:spcBef>
+                <a:spcPct val="10000"/>
+              </a:spcBef>
+              <a:spcAft>
+                <a:spcPct val="10000"/>
+              </a:spcAft>
+              <a:buClr>
+                <a:schemeClr val="tx1"/>
+              </a:buClr>
+              <a:buFont typeface="Times"/>
+              <a:buChar char="-"/>
+              <a:defRPr sz="2000">
+                <a:solidFill>
+                  <a:schemeClr val="tx1"/>
+                </a:solidFill>
+                <a:latin typeface="Arial" charset="0"/>
+              </a:defRPr>
+            </a:lvl4pPr>
+            <a:lvl5pPr marL="2057400" indent="-228600">
+              <a:spcBef>
+                <a:spcPct val="10000"/>
+              </a:spcBef>
+              <a:spcAft>
+                <a:spcPct val="10000"/>
+              </a:spcAft>
+              <a:buClr>
+                <a:schemeClr val="tx1"/>
+              </a:buClr>
+              <a:buChar char="•"/>
+              <a:defRPr sz="2000">
+                <a:solidFill>
+                  <a:schemeClr val="tx1"/>
+                </a:solidFill>
+                <a:latin typeface="Arial" charset="0"/>
+              </a:defRPr>
+            </a:lvl5pPr>
+            <a:lvl6pPr marL="2514600" indent="-228600" eaLnBrk="0" fontAlgn="base" hangingPunct="0">
+              <a:spcBef>
+                <a:spcPct val="10000"/>
+              </a:spcBef>
+              <a:spcAft>
+                <a:spcPct val="10000"/>
+              </a:spcAft>
+              <a:buClr>
+                <a:schemeClr val="tx1"/>
+              </a:buClr>
+              <a:buChar char="•"/>
+              <a:defRPr sz="2000">
+                <a:solidFill>
+                  <a:schemeClr val="tx1"/>
+                </a:solidFill>
+                <a:latin typeface="Arial" charset="0"/>
+              </a:defRPr>
+            </a:lvl6pPr>
+            <a:lvl7pPr marL="2971800" indent="-228600" eaLnBrk="0" fontAlgn="base" hangingPunct="0">
+              <a:spcBef>
+                <a:spcPct val="10000"/>
+              </a:spcBef>
+              <a:spcAft>
+                <a:spcPct val="10000"/>
+              </a:spcAft>
+              <a:buClr>
+                <a:schemeClr val="tx1"/>
+              </a:buClr>
+              <a:buChar char="•"/>
+              <a:defRPr sz="2000">
+                <a:solidFill>
+                  <a:schemeClr val="tx1"/>
+                </a:solidFill>
+                <a:latin typeface="Arial" charset="0"/>
+              </a:defRPr>
+            </a:lvl7pPr>
+            <a:lvl8pPr marL="3429000" indent="-228600" eaLnBrk="0" fontAlgn="base" hangingPunct="0">
+              <a:spcBef>
+                <a:spcPct val="10000"/>
+              </a:spcBef>
+              <a:spcAft>
+                <a:spcPct val="10000"/>
+              </a:spcAft>
+              <a:buClr>
+                <a:schemeClr val="tx1"/>
+              </a:buClr>
+              <a:buChar char="•"/>
+              <a:defRPr sz="2000">
+                <a:solidFill>
+                  <a:schemeClr val="tx1"/>
+                </a:solidFill>
+                <a:latin typeface="Arial" charset="0"/>
+              </a:defRPr>
+            </a:lvl8pPr>
+            <a:lvl9pPr marL="3886200" indent="-228600" eaLnBrk="0" fontAlgn="base" hangingPunct="0">
+              <a:spcBef>
+                <a:spcPct val="10000"/>
+              </a:spcBef>
+              <a:spcAft>
+                <a:spcPct val="10000"/>
+              </a:spcAft>
+              <a:buClr>
+                <a:schemeClr val="tx1"/>
+              </a:buClr>
+              <a:buChar char="•"/>
+              <a:defRPr sz="2000">
+                <a:solidFill>
+                  <a:schemeClr val="tx1"/>
+                </a:solidFill>
+                <a:latin typeface="Arial" charset="0"/>
+              </a:defRPr>
+            </a:lvl9pPr>
+          </a:lstStyle>
+          <a:p>
+            <a:pPr algn="ctr">
+              <a:spcBef>
+                <a:spcPct val="50000"/>
+              </a:spcBef>
+              <a:spcAft>
+                <a:spcPct val="0"/>
+              </a:spcAft>
+              <a:buClrTx/>
+              <a:buSzTx/>
+              <a:buFontTx/>
+              <a:buNone/>
+            </a:pPr>
+            <a:r>
+              <a:rPr lang="en-US" altLang="en-US" sz="1600" dirty="0"/>
+              <a:t>RDBL Link</a:t>
+            </a:r>
+          </a:p>
+        </p:txBody>
+      </p:sp>
+      <p:sp>
+        <p:nvSpPr>
+          <p:cNvPr id="51220" name="Oval 57"/>
+          <p:cNvSpPr>
+            <a:spLocks noChangeArrowheads="1"/>
+          </p:cNvSpPr>
+          <p:nvPr/>
+        </p:nvSpPr>
+        <p:spPr bwMode="auto">
+          <a:xfrm>
+            <a:off x="1413526" y="5263223"/>
+            <a:ext cx="487363" cy="450850"/>
+          </a:xfrm>
+          <a:prstGeom prst="ellipse">
+            <a:avLst/>
+          </a:prstGeom>
+          <a:noFill/>
+          <a:ln w="12700" algn="ctr">
+            <a:solidFill>
+              <a:schemeClr val="tx1"/>
+            </a:solidFill>
+            <a:round/>
             <a:headEnd/>
             <a:tailEnd/>
           </a:ln>
@@ -31557,14 +31791,14 @@
             </a:pPr>
             <a:r>
               <a:rPr lang="en-US" altLang="en-US" sz="1600" dirty="0"/>
-              <a:t>RDBL Link</a:t>
+              <a:t>X</a:t>
             </a:r>
           </a:p>
         </p:txBody>
       </p:sp>
       <p:sp>
         <p:nvSpPr>
-          <p:cNvPr id="51220" name="Oval 57"/>
+          <p:cNvPr id="51221" name="Rectangle 58"/>
           <p:cNvSpPr>
             <a:spLocks noChangeArrowheads="1"/>
           </p:cNvSpPr>
@@ -31572,10 +31806,10 @@
         </p:nvSpPr>
         <p:spPr bwMode="auto">
           <a:xfrm>
-            <a:off x="3978275" y="4003675"/>
-            <a:ext cx="487363" cy="450850"/>
+            <a:off x="2309510" y="4625736"/>
+            <a:ext cx="820738" cy="338554"/>
           </a:xfrm>
-          <a:prstGeom prst="ellipse">
+          <a:prstGeom prst="rect">
             <a:avLst/>
           </a:prstGeom>
           <a:noFill/>
@@ -31583,7 +31817,7 @@
             <a:solidFill>
               <a:schemeClr val="tx1"/>
             </a:solidFill>
-            <a:round/>
+            <a:miter lim="800000"/>
             <a:headEnd/>
             <a:tailEnd/>
           </a:ln>
@@ -31793,246 +32027,10 @@
               <a:buNone/>
             </a:pPr>
             <a:r>
-              <a:rPr lang="en-US" altLang="en-US" sz="1600" dirty="0"/>
-              <a:t>X</a:t>
-            </a:r>
-          </a:p>
-        </p:txBody>
-      </p:sp>
-      <p:sp>
-        <p:nvSpPr>
-          <p:cNvPr id="51221" name="Rectangle 58"/>
-          <p:cNvSpPr>
-            <a:spLocks noChangeArrowheads="1"/>
-          </p:cNvSpPr>
-          <p:nvPr/>
-        </p:nvSpPr>
-        <p:spPr bwMode="auto">
-          <a:xfrm>
-            <a:off x="3797300" y="5184775"/>
-            <a:ext cx="820738" cy="349250"/>
-          </a:xfrm>
-          <a:prstGeom prst="rect">
-            <a:avLst/>
-          </a:prstGeom>
-          <a:noFill/>
-          <a:ln w="12700" algn="ctr">
-            <a:solidFill>
-              <a:schemeClr val="tx1"/>
-            </a:solidFill>
-            <a:miter lim="800000"/>
-            <a:headEnd/>
-            <a:tailEnd/>
-          </a:ln>
-          <a:effectLst/>
-          <a:extLst>
-            <a:ext uri="{909E8E84-426E-40DD-AFC4-6F175D3DCCD1}">
-              <a14:hiddenFill xmlns:a14="http://schemas.microsoft.com/office/drawing/2010/main">
-                <a:solidFill>
-                  <a:schemeClr val="accent1"/>
-                </a:solidFill>
-              </a14:hiddenFill>
-            </a:ext>
-            <a:ext uri="{AF507438-7753-43E0-B8FC-AC1667EBCBE1}">
-              <a14:hiddenEffects xmlns:a14="http://schemas.microsoft.com/office/drawing/2010/main">
-                <a:effectLst>
-                  <a:outerShdw dist="35921" dir="2700000" algn="ctr" rotWithShape="0">
-                    <a:schemeClr val="bg2"/>
-                  </a:outerShdw>
-                </a:effectLst>
-              </a14:hiddenEffects>
-            </a:ext>
-          </a:extLst>
-        </p:spPr>
-        <p:txBody>
-          <a:bodyPr anchor="ctr">
-            <a:spAutoFit/>
-          </a:bodyPr>
-          <a:lstStyle>
-            <a:lvl1pPr>
-              <a:spcBef>
-                <a:spcPct val="10000"/>
-              </a:spcBef>
-              <a:spcAft>
-                <a:spcPct val="10000"/>
-              </a:spcAft>
-              <a:buClr>
-                <a:srgbClr val="C28500"/>
-              </a:buClr>
-              <a:buSzPct val="125000"/>
-              <a:buFont typeface="Times"/>
-              <a:buChar char="•"/>
-              <a:defRPr sz="2000" b="1">
-                <a:solidFill>
-                  <a:schemeClr val="tx1"/>
-                </a:solidFill>
-                <a:latin typeface="Arial" charset="0"/>
-              </a:defRPr>
-            </a:lvl1pPr>
-            <a:lvl2pPr marL="742950" indent="-285750">
-              <a:spcBef>
-                <a:spcPct val="10000"/>
-              </a:spcBef>
-              <a:spcAft>
-                <a:spcPct val="10000"/>
-              </a:spcAft>
-              <a:buClr>
-                <a:schemeClr val="tx1"/>
-              </a:buClr>
-              <a:buChar char="-"/>
-              <a:defRPr sz="2000">
-                <a:solidFill>
-                  <a:schemeClr val="tx1"/>
-                </a:solidFill>
-                <a:latin typeface="Arial" charset="0"/>
-              </a:defRPr>
-            </a:lvl2pPr>
-            <a:lvl3pPr marL="1143000" indent="-228600">
-              <a:spcBef>
-                <a:spcPct val="10000"/>
-              </a:spcBef>
-              <a:spcAft>
-                <a:spcPct val="10000"/>
-              </a:spcAft>
-              <a:buClr>
-                <a:schemeClr val="tx1"/>
-              </a:buClr>
-              <a:buFont typeface="Times"/>
-              <a:buChar char="-"/>
-              <a:defRPr sz="2000" i="1">
-                <a:solidFill>
-                  <a:schemeClr val="tx1"/>
-                </a:solidFill>
-                <a:latin typeface="Arial" charset="0"/>
-              </a:defRPr>
-            </a:lvl3pPr>
-            <a:lvl4pPr marL="1600200" indent="-228600">
-              <a:spcBef>
-                <a:spcPct val="10000"/>
-              </a:spcBef>
-              <a:spcAft>
-                <a:spcPct val="10000"/>
-              </a:spcAft>
-              <a:buClr>
-                <a:schemeClr val="tx1"/>
-              </a:buClr>
-              <a:buFont typeface="Times"/>
-              <a:buChar char="-"/>
-              <a:defRPr sz="2000">
-                <a:solidFill>
-                  <a:schemeClr val="tx1"/>
-                </a:solidFill>
-                <a:latin typeface="Arial" charset="0"/>
-              </a:defRPr>
-            </a:lvl4pPr>
-            <a:lvl5pPr marL="2057400" indent="-228600">
-              <a:spcBef>
-                <a:spcPct val="10000"/>
-              </a:spcBef>
-              <a:spcAft>
-                <a:spcPct val="10000"/>
-              </a:spcAft>
-              <a:buClr>
-                <a:schemeClr val="tx1"/>
-              </a:buClr>
-              <a:buChar char="•"/>
-              <a:defRPr sz="2000">
-                <a:solidFill>
-                  <a:schemeClr val="tx1"/>
-                </a:solidFill>
-                <a:latin typeface="Arial" charset="0"/>
-              </a:defRPr>
-            </a:lvl5pPr>
-            <a:lvl6pPr marL="2514600" indent="-228600" eaLnBrk="0" fontAlgn="base" hangingPunct="0">
-              <a:spcBef>
-                <a:spcPct val="10000"/>
-              </a:spcBef>
-              <a:spcAft>
-                <a:spcPct val="10000"/>
-              </a:spcAft>
-              <a:buClr>
-                <a:schemeClr val="tx1"/>
-              </a:buClr>
-              <a:buChar char="•"/>
-              <a:defRPr sz="2000">
-                <a:solidFill>
-                  <a:schemeClr val="tx1"/>
-                </a:solidFill>
-                <a:latin typeface="Arial" charset="0"/>
-              </a:defRPr>
-            </a:lvl6pPr>
-            <a:lvl7pPr marL="2971800" indent="-228600" eaLnBrk="0" fontAlgn="base" hangingPunct="0">
-              <a:spcBef>
-                <a:spcPct val="10000"/>
-              </a:spcBef>
-              <a:spcAft>
-                <a:spcPct val="10000"/>
-              </a:spcAft>
-              <a:buClr>
-                <a:schemeClr val="tx1"/>
-              </a:buClr>
-              <a:buChar char="•"/>
-              <a:defRPr sz="2000">
-                <a:solidFill>
-                  <a:schemeClr val="tx1"/>
-                </a:solidFill>
-                <a:latin typeface="Arial" charset="0"/>
-              </a:defRPr>
-            </a:lvl7pPr>
-            <a:lvl8pPr marL="3429000" indent="-228600" eaLnBrk="0" fontAlgn="base" hangingPunct="0">
-              <a:spcBef>
-                <a:spcPct val="10000"/>
-              </a:spcBef>
-              <a:spcAft>
-                <a:spcPct val="10000"/>
-              </a:spcAft>
-              <a:buClr>
-                <a:schemeClr val="tx1"/>
-              </a:buClr>
-              <a:buChar char="•"/>
-              <a:defRPr sz="2000">
-                <a:solidFill>
-                  <a:schemeClr val="tx1"/>
-                </a:solidFill>
-                <a:latin typeface="Arial" charset="0"/>
-              </a:defRPr>
-            </a:lvl8pPr>
-            <a:lvl9pPr marL="3886200" indent="-228600" eaLnBrk="0" fontAlgn="base" hangingPunct="0">
-              <a:spcBef>
-                <a:spcPct val="10000"/>
-              </a:spcBef>
-              <a:spcAft>
-                <a:spcPct val="10000"/>
-              </a:spcAft>
-              <a:buClr>
-                <a:schemeClr val="tx1"/>
-              </a:buClr>
-              <a:buChar char="•"/>
-              <a:defRPr sz="2000">
-                <a:solidFill>
-                  <a:schemeClr val="tx1"/>
-                </a:solidFill>
-                <a:latin typeface="Arial" charset="0"/>
-              </a:defRPr>
-            </a:lvl9pPr>
-          </a:lstStyle>
-          <a:p>
-            <a:pPr algn="ctr">
-              <a:spcBef>
-                <a:spcPct val="50000"/>
-              </a:spcBef>
-              <a:spcAft>
-                <a:spcPct val="0"/>
-              </a:spcAft>
-              <a:buClrTx/>
-              <a:buSzTx/>
-              <a:buFontTx/>
-              <a:buNone/>
-            </a:pPr>
-            <a:r>
-              <a:rPr lang="en-US" altLang="en-US" sz="1600" dirty="0"/>
-              <a:t>RRES</a:t>
-            </a:r>
+              <a:rPr lang="en-US" altLang="en-US" sz="1600" dirty="0" smtClean="0"/>
+              <a:t>MRES</a:t>
+            </a:r>
+            <a:endParaRPr lang="en-US" altLang="en-US" sz="1600" dirty="0"/>
           </a:p>
         </p:txBody>
       </p:sp>
@@ -32048,8 +32046,8 @@
         </p:nvCxnSpPr>
         <p:spPr bwMode="auto">
           <a:xfrm>
-            <a:off x="3435350" y="4227513"/>
-            <a:ext cx="542925" cy="1587"/>
+            <a:off x="1006017" y="5488648"/>
+            <a:ext cx="407509" cy="0"/>
           </a:xfrm>
           <a:prstGeom prst="straightConnector1">
             <a:avLst/>
@@ -32087,15 +32085,14 @@
           <p:cNvPr id="51223" name="AutoShape 61"/>
           <p:cNvCxnSpPr>
             <a:cxnSpLocks noChangeShapeType="1"/>
-            <a:stCxn id="51221" idx="0"/>
             <a:endCxn id="51220" idx="4"/>
           </p:cNvCxnSpPr>
           <p:nvPr/>
         </p:nvCxnSpPr>
         <p:spPr bwMode="auto">
           <a:xfrm flipV="1">
-            <a:off x="4208463" y="4454525"/>
-            <a:ext cx="14287" cy="730250"/>
+            <a:off x="1657207" y="5714073"/>
+            <a:ext cx="1" cy="185367"/>
           </a:xfrm>
           <a:prstGeom prst="straightConnector1">
             <a:avLst/>
@@ -32130,326 +32127,6 @@
       </p:cxnSp>
       <p:sp>
         <p:nvSpPr>
-          <p:cNvPr id="51224" name="Oval 68"/>
-          <p:cNvSpPr>
-            <a:spLocks noChangeArrowheads="1"/>
-          </p:cNvSpPr>
-          <p:nvPr/>
-        </p:nvSpPr>
-        <p:spPr bwMode="auto">
-          <a:xfrm>
-            <a:off x="5741988" y="3768725"/>
-            <a:ext cx="142875" cy="142875"/>
-          </a:xfrm>
-          <a:prstGeom prst="ellipse">
-            <a:avLst/>
-          </a:prstGeom>
-          <a:solidFill>
-            <a:schemeClr val="accent1"/>
-          </a:solidFill>
-          <a:ln w="12700" algn="ctr">
-            <a:solidFill>
-              <a:schemeClr val="tx1"/>
-            </a:solidFill>
-            <a:round/>
-            <a:headEnd/>
-            <a:tailEnd/>
-          </a:ln>
-          <a:effectLst/>
-          <a:extLst>
-            <a:ext uri="{AF507438-7753-43E0-B8FC-AC1667EBCBE1}">
-              <a14:hiddenEffects xmlns:a14="http://schemas.microsoft.com/office/drawing/2010/main">
-                <a:effectLst>
-                  <a:outerShdw dist="35921" dir="2700000" algn="ctr" rotWithShape="0">
-                    <a:schemeClr val="bg2"/>
-                  </a:outerShdw>
-                </a:effectLst>
-              </a14:hiddenEffects>
-            </a:ext>
-          </a:extLst>
-        </p:spPr>
-        <p:txBody>
-          <a:bodyPr anchor="ctr">
-            <a:spAutoFit/>
-          </a:bodyPr>
-          <a:lstStyle>
-            <a:lvl1pPr>
-              <a:spcBef>
-                <a:spcPct val="10000"/>
-              </a:spcBef>
-              <a:spcAft>
-                <a:spcPct val="10000"/>
-              </a:spcAft>
-              <a:buClr>
-                <a:srgbClr val="C28500"/>
-              </a:buClr>
-              <a:buSzPct val="125000"/>
-              <a:buFont typeface="Times"/>
-              <a:buChar char="•"/>
-              <a:defRPr sz="2000" b="1">
-                <a:solidFill>
-                  <a:schemeClr val="tx1"/>
-                </a:solidFill>
-                <a:latin typeface="Arial" charset="0"/>
-              </a:defRPr>
-            </a:lvl1pPr>
-            <a:lvl2pPr marL="742950" indent="-285750">
-              <a:spcBef>
-                <a:spcPct val="10000"/>
-              </a:spcBef>
-              <a:spcAft>
-                <a:spcPct val="10000"/>
-              </a:spcAft>
-              <a:buClr>
-                <a:schemeClr val="tx1"/>
-              </a:buClr>
-              <a:buChar char="-"/>
-              <a:defRPr sz="2000">
-                <a:solidFill>
-                  <a:schemeClr val="tx1"/>
-                </a:solidFill>
-                <a:latin typeface="Arial" charset="0"/>
-              </a:defRPr>
-            </a:lvl2pPr>
-            <a:lvl3pPr marL="1143000" indent="-228600">
-              <a:spcBef>
-                <a:spcPct val="10000"/>
-              </a:spcBef>
-              <a:spcAft>
-                <a:spcPct val="10000"/>
-              </a:spcAft>
-              <a:buClr>
-                <a:schemeClr val="tx1"/>
-              </a:buClr>
-              <a:buFont typeface="Times"/>
-              <a:buChar char="-"/>
-              <a:defRPr sz="2000" i="1">
-                <a:solidFill>
-                  <a:schemeClr val="tx1"/>
-                </a:solidFill>
-                <a:latin typeface="Arial" charset="0"/>
-              </a:defRPr>
-            </a:lvl3pPr>
-            <a:lvl4pPr marL="1600200" indent="-228600">
-              <a:spcBef>
-                <a:spcPct val="10000"/>
-              </a:spcBef>
-              <a:spcAft>
-                <a:spcPct val="10000"/>
-              </a:spcAft>
-              <a:buClr>
-                <a:schemeClr val="tx1"/>
-              </a:buClr>
-              <a:buFont typeface="Times"/>
-              <a:buChar char="-"/>
-              <a:defRPr sz="2000">
-                <a:solidFill>
-                  <a:schemeClr val="tx1"/>
-                </a:solidFill>
-                <a:latin typeface="Arial" charset="0"/>
-              </a:defRPr>
-            </a:lvl4pPr>
-            <a:lvl5pPr marL="2057400" indent="-228600">
-              <a:spcBef>
-                <a:spcPct val="10000"/>
-              </a:spcBef>
-              <a:spcAft>
-                <a:spcPct val="10000"/>
-              </a:spcAft>
-              <a:buClr>
-                <a:schemeClr val="tx1"/>
-              </a:buClr>
-              <a:buChar char="•"/>
-              <a:defRPr sz="2000">
-                <a:solidFill>
-                  <a:schemeClr val="tx1"/>
-                </a:solidFill>
-                <a:latin typeface="Arial" charset="0"/>
-              </a:defRPr>
-            </a:lvl5pPr>
-            <a:lvl6pPr marL="2514600" indent="-228600" eaLnBrk="0" fontAlgn="base" hangingPunct="0">
-              <a:spcBef>
-                <a:spcPct val="10000"/>
-              </a:spcBef>
-              <a:spcAft>
-                <a:spcPct val="10000"/>
-              </a:spcAft>
-              <a:buClr>
-                <a:schemeClr val="tx1"/>
-              </a:buClr>
-              <a:buChar char="•"/>
-              <a:defRPr sz="2000">
-                <a:solidFill>
-                  <a:schemeClr val="tx1"/>
-                </a:solidFill>
-                <a:latin typeface="Arial" charset="0"/>
-              </a:defRPr>
-            </a:lvl6pPr>
-            <a:lvl7pPr marL="2971800" indent="-228600" eaLnBrk="0" fontAlgn="base" hangingPunct="0">
-              <a:spcBef>
-                <a:spcPct val="10000"/>
-              </a:spcBef>
-              <a:spcAft>
-                <a:spcPct val="10000"/>
-              </a:spcAft>
-              <a:buClr>
-                <a:schemeClr val="tx1"/>
-              </a:buClr>
-              <a:buChar char="•"/>
-              <a:defRPr sz="2000">
-                <a:solidFill>
-                  <a:schemeClr val="tx1"/>
-                </a:solidFill>
-                <a:latin typeface="Arial" charset="0"/>
-              </a:defRPr>
-            </a:lvl7pPr>
-            <a:lvl8pPr marL="3429000" indent="-228600" eaLnBrk="0" fontAlgn="base" hangingPunct="0">
-              <a:spcBef>
-                <a:spcPct val="10000"/>
-              </a:spcBef>
-              <a:spcAft>
-                <a:spcPct val="10000"/>
-              </a:spcAft>
-              <a:buClr>
-                <a:schemeClr val="tx1"/>
-              </a:buClr>
-              <a:buChar char="•"/>
-              <a:defRPr sz="2000">
-                <a:solidFill>
-                  <a:schemeClr val="tx1"/>
-                </a:solidFill>
-                <a:latin typeface="Arial" charset="0"/>
-              </a:defRPr>
-            </a:lvl8pPr>
-            <a:lvl9pPr marL="3886200" indent="-228600" eaLnBrk="0" fontAlgn="base" hangingPunct="0">
-              <a:spcBef>
-                <a:spcPct val="10000"/>
-              </a:spcBef>
-              <a:spcAft>
-                <a:spcPct val="10000"/>
-              </a:spcAft>
-              <a:buClr>
-                <a:schemeClr val="tx1"/>
-              </a:buClr>
-              <a:buChar char="•"/>
-              <a:defRPr sz="2000">
-                <a:solidFill>
-                  <a:schemeClr val="tx1"/>
-                </a:solidFill>
-                <a:latin typeface="Arial" charset="0"/>
-              </a:defRPr>
-            </a:lvl9pPr>
-          </a:lstStyle>
-          <a:p>
-            <a:pPr>
-              <a:spcBef>
-                <a:spcPct val="50000"/>
-              </a:spcBef>
-              <a:spcAft>
-                <a:spcPct val="0"/>
-              </a:spcAft>
-              <a:buClrTx/>
-              <a:buSzTx/>
-              <a:buFontTx/>
-              <a:buNone/>
-            </a:pPr>
-            <a:endParaRPr lang="en-US" altLang="en-US" sz="1800" dirty="0"/>
-          </a:p>
-        </p:txBody>
-      </p:sp>
-      <p:cxnSp>
-        <p:nvCxnSpPr>
-          <p:cNvPr id="51225" name="AutoShape 69"/>
-          <p:cNvCxnSpPr>
-            <a:cxnSpLocks noChangeShapeType="1"/>
-            <a:stCxn id="51224" idx="2"/>
-          </p:cNvCxnSpPr>
-          <p:nvPr/>
-        </p:nvCxnSpPr>
-        <p:spPr bwMode="auto">
-          <a:xfrm flipH="1" flipV="1">
-            <a:off x="5407025" y="3422650"/>
-            <a:ext cx="334963" cy="417513"/>
-          </a:xfrm>
-          <a:prstGeom prst="straightConnector1">
-            <a:avLst/>
-          </a:prstGeom>
-          <a:noFill/>
-          <a:ln w="12700">
-            <a:solidFill>
-              <a:schemeClr val="tx1"/>
-            </a:solidFill>
-            <a:round/>
-            <a:headEnd type="oval" w="med" len="med"/>
-            <a:tailEnd type="triangle" w="med" len="med"/>
-          </a:ln>
-          <a:effectLst/>
-          <a:extLst>
-            <a:ext uri="{909E8E84-426E-40DD-AFC4-6F175D3DCCD1}">
-              <a14:hiddenFill xmlns:a14="http://schemas.microsoft.com/office/drawing/2010/main">
-                <a:noFill/>
-              </a14:hiddenFill>
-            </a:ext>
-            <a:ext uri="{AF507438-7753-43E0-B8FC-AC1667EBCBE1}">
-              <a14:hiddenEffects xmlns:a14="http://schemas.microsoft.com/office/drawing/2010/main">
-                <a:effectLst>
-                  <a:outerShdw dist="35921" dir="2700000" algn="ctr" rotWithShape="0">
-                    <a:schemeClr val="bg2"/>
-                  </a:outerShdw>
-                </a:effectLst>
-              </a14:hiddenEffects>
-            </a:ext>
-          </a:extLst>
-        </p:spPr>
-      </p:cxnSp>
-      <p:cxnSp>
-        <p:nvCxnSpPr>
-          <p:cNvPr id="51226" name="AutoShape 70"/>
-          <p:cNvCxnSpPr>
-            <a:cxnSpLocks noChangeShapeType="1"/>
-            <a:stCxn id="51227" idx="1"/>
-            <a:endCxn id="51224" idx="6"/>
-          </p:cNvCxnSpPr>
-          <p:nvPr/>
-        </p:nvCxnSpPr>
-        <p:spPr bwMode="auto">
-          <a:xfrm flipH="1" flipV="1">
-            <a:off x="5884863" y="3840163"/>
-            <a:ext cx="219075" cy="1587"/>
-          </a:xfrm>
-          <a:prstGeom prst="straightConnector1">
-            <a:avLst/>
-          </a:prstGeom>
-          <a:noFill/>
-          <a:ln w="12700">
-            <a:solidFill>
-              <a:schemeClr val="tx1"/>
-            </a:solidFill>
-            <a:round/>
-            <a:headEnd type="triangle" w="med" len="med"/>
-            <a:tailEnd/>
-          </a:ln>
-          <a:effectLst/>
-          <a:extLst>
-            <a:ext uri="{909E8E84-426E-40DD-AFC4-6F175D3DCCD1}">
-              <a14:hiddenFill xmlns:a14="http://schemas.microsoft.com/office/drawing/2010/main">
-                <a:noFill/>
-              </a14:hiddenFill>
-            </a:ext>
-            <a:ext uri="{AF507438-7753-43E0-B8FC-AC1667EBCBE1}">
-              <a14:hiddenEffects xmlns:a14="http://schemas.microsoft.com/office/drawing/2010/main">
-                <a:effectLst>
-                  <a:outerShdw dist="35921" dir="2700000" algn="ctr" rotWithShape="0">
-                    <a:schemeClr val="bg2"/>
-                  </a:outerShdw>
-                </a:effectLst>
-              </a14:hiddenEffects>
-            </a:ext>
-          </a:extLst>
-        </p:spPr>
-      </p:cxnSp>
-      <p:sp>
-        <p:nvSpPr>
           <p:cNvPr id="51227" name="Rectangle 72"/>
           <p:cNvSpPr>
             <a:spLocks noChangeArrowheads="1"/>
@@ -32458,7 +32135,7 @@
         </p:nvSpPr>
         <p:spPr bwMode="auto">
           <a:xfrm>
-            <a:off x="6103938" y="3667125"/>
+            <a:off x="5133631" y="3222646"/>
             <a:ext cx="774700" cy="349250"/>
           </a:xfrm>
           <a:prstGeom prst="rect">
@@ -33163,8 +32840,8 @@
         </p:nvCxnSpPr>
         <p:spPr bwMode="auto">
           <a:xfrm flipV="1">
-            <a:off x="4256088" y="2894013"/>
-            <a:ext cx="7937" cy="309562"/>
+            <a:off x="4253256" y="2894013"/>
+            <a:ext cx="9976" cy="286543"/>
           </a:xfrm>
           <a:prstGeom prst="straightConnector1">
             <a:avLst/>
@@ -33202,14 +32879,15 @@
           <p:cNvPr id="51231" name="AutoShape 99"/>
           <p:cNvCxnSpPr>
             <a:cxnSpLocks noChangeShapeType="1"/>
-            <a:stCxn id="51229" idx="7"/>
+            <a:stCxn id="51245" idx="4"/>
+            <a:endCxn id="51229" idx="7"/>
           </p:cNvCxnSpPr>
           <p:nvPr/>
         </p:nvCxnSpPr>
         <p:spPr bwMode="auto">
-          <a:xfrm flipV="1">
-            <a:off x="4324350" y="2527300"/>
-            <a:ext cx="323850" cy="200025"/>
+          <a:xfrm flipH="1">
+            <a:off x="4324409" y="2140687"/>
+            <a:ext cx="442853" cy="586659"/>
           </a:xfrm>
           <a:prstGeom prst="straightConnector1">
             <a:avLst/>
@@ -33219,8 +32897,9 @@
             <a:solidFill>
               <a:schemeClr val="tx1"/>
             </a:solidFill>
+            <a:prstDash val="dash"/>
             <a:round/>
-            <a:headEnd type="diamond" w="med" len="med"/>
+            <a:headEnd type="none" w="med" len="med"/>
             <a:tailEnd type="triangle" w="med" len="med"/>
           </a:ln>
           <a:effectLst/>
@@ -33244,298 +32923,7 @@
       </p:cxnSp>
       <p:sp>
         <p:nvSpPr>
-          <p:cNvPr id="51232" name="Freeform 107"/>
-          <p:cNvSpPr>
-            <a:spLocks/>
-          </p:cNvSpPr>
-          <p:nvPr/>
-        </p:nvSpPr>
-        <p:spPr bwMode="auto">
-          <a:xfrm>
-            <a:off x="1839913" y="3168650"/>
-            <a:ext cx="109537" cy="471488"/>
-          </a:xfrm>
-          <a:custGeom>
-            <a:avLst/>
-            <a:gdLst>
-              <a:gd name="T0" fmla="*/ 2147483646 w 108"/>
-              <a:gd name="T1" fmla="*/ 0 h 422"/>
-              <a:gd name="T2" fmla="*/ 2147483646 w 108"/>
-              <a:gd name="T3" fmla="*/ 2147483646 h 422"/>
-              <a:gd name="T4" fmla="*/ 2147483646 w 108"/>
-              <a:gd name="T5" fmla="*/ 2147483646 h 422"/>
-              <a:gd name="T6" fmla="*/ 0 60000 65536"/>
-              <a:gd name="T7" fmla="*/ 0 60000 65536"/>
-              <a:gd name="T8" fmla="*/ 0 60000 65536"/>
-            </a:gdLst>
-            <a:ahLst/>
-            <a:cxnLst>
-              <a:cxn ang="T6">
-                <a:pos x="T0" y="T1"/>
-              </a:cxn>
-              <a:cxn ang="T7">
-                <a:pos x="T2" y="T3"/>
-              </a:cxn>
-              <a:cxn ang="T8">
-                <a:pos x="T4" y="T5"/>
-              </a:cxn>
-            </a:cxnLst>
-            <a:rect l="0" t="0" r="r" b="b"/>
-            <a:pathLst>
-              <a:path w="108" h="422">
-                <a:moveTo>
-                  <a:pt x="98" y="0"/>
-                </a:moveTo>
-                <a:cubicBezTo>
-                  <a:pt x="49" y="61"/>
-                  <a:pt x="0" y="122"/>
-                  <a:pt x="2" y="192"/>
-                </a:cubicBezTo>
-                <a:cubicBezTo>
-                  <a:pt x="4" y="262"/>
-                  <a:pt x="92" y="387"/>
-                  <a:pt x="108" y="422"/>
-                </a:cubicBezTo>
-              </a:path>
-            </a:pathLst>
-          </a:custGeom>
-          <a:noFill/>
-          <a:ln w="12700" cap="flat" cmpd="sng">
-            <a:solidFill>
-              <a:schemeClr val="accent1"/>
-            </a:solidFill>
-            <a:prstDash val="dash"/>
-            <a:round/>
-            <a:headEnd/>
-            <a:tailEnd type="stealth" w="med" len="med"/>
-          </a:ln>
-          <a:effectLst/>
-          <a:extLst>
-            <a:ext uri="{909E8E84-426E-40DD-AFC4-6F175D3DCCD1}">
-              <a14:hiddenFill xmlns:a14="http://schemas.microsoft.com/office/drawing/2010/main">
-                <a:solidFill>
-                  <a:schemeClr val="accent1"/>
-                </a:solidFill>
-              </a14:hiddenFill>
-            </a:ext>
-            <a:ext uri="{AF507438-7753-43E0-B8FC-AC1667EBCBE1}">
-              <a14:hiddenEffects xmlns:a14="http://schemas.microsoft.com/office/drawing/2010/main">
-                <a:effectLst>
-                  <a:outerShdw dist="35921" dir="2700000" algn="ctr" rotWithShape="0">
-                    <a:schemeClr val="bg2"/>
-                  </a:outerShdw>
-                </a:effectLst>
-              </a14:hiddenEffects>
-            </a:ext>
-          </a:extLst>
-        </p:spPr>
-        <p:txBody>
-          <a:bodyPr anchor="ctr">
-            <a:spAutoFit/>
-          </a:bodyPr>
-          <a:lstStyle/>
-          <a:p>
-            <a:endParaRPr lang="en-US" dirty="0"/>
-          </a:p>
-        </p:txBody>
-      </p:sp>
-      <p:sp>
-        <p:nvSpPr>
-          <p:cNvPr id="51233" name="Freeform 108"/>
-          <p:cNvSpPr>
-            <a:spLocks/>
-          </p:cNvSpPr>
-          <p:nvPr/>
-        </p:nvSpPr>
-        <p:spPr bwMode="auto">
-          <a:xfrm rot="5400000">
-            <a:off x="4134644" y="2142331"/>
-            <a:ext cx="171450" cy="623888"/>
-          </a:xfrm>
-          <a:custGeom>
-            <a:avLst/>
-            <a:gdLst>
-              <a:gd name="T0" fmla="*/ 2147483646 w 108"/>
-              <a:gd name="T1" fmla="*/ 0 h 422"/>
-              <a:gd name="T2" fmla="*/ 2147483646 w 108"/>
-              <a:gd name="T3" fmla="*/ 2147483646 h 422"/>
-              <a:gd name="T4" fmla="*/ 2147483646 w 108"/>
-              <a:gd name="T5" fmla="*/ 2147483646 h 422"/>
-              <a:gd name="T6" fmla="*/ 0 60000 65536"/>
-              <a:gd name="T7" fmla="*/ 0 60000 65536"/>
-              <a:gd name="T8" fmla="*/ 0 60000 65536"/>
-            </a:gdLst>
-            <a:ahLst/>
-            <a:cxnLst>
-              <a:cxn ang="T6">
-                <a:pos x="T0" y="T1"/>
-              </a:cxn>
-              <a:cxn ang="T7">
-                <a:pos x="T2" y="T3"/>
-              </a:cxn>
-              <a:cxn ang="T8">
-                <a:pos x="T4" y="T5"/>
-              </a:cxn>
-            </a:cxnLst>
-            <a:rect l="0" t="0" r="r" b="b"/>
-            <a:pathLst>
-              <a:path w="108" h="422">
-                <a:moveTo>
-                  <a:pt x="98" y="0"/>
-                </a:moveTo>
-                <a:cubicBezTo>
-                  <a:pt x="49" y="61"/>
-                  <a:pt x="0" y="122"/>
-                  <a:pt x="2" y="192"/>
-                </a:cubicBezTo>
-                <a:cubicBezTo>
-                  <a:pt x="4" y="262"/>
-                  <a:pt x="92" y="387"/>
-                  <a:pt x="108" y="422"/>
-                </a:cubicBezTo>
-              </a:path>
-            </a:pathLst>
-          </a:custGeom>
-          <a:noFill/>
-          <a:ln w="12700" cap="flat" cmpd="sng">
-            <a:solidFill>
-              <a:schemeClr val="bg2"/>
-            </a:solidFill>
-            <a:prstDash val="dash"/>
-            <a:round/>
-            <a:headEnd/>
-            <a:tailEnd type="stealth" w="med" len="med"/>
-          </a:ln>
-          <a:effectLst/>
-          <a:extLst>
-            <a:ext uri="{909E8E84-426E-40DD-AFC4-6F175D3DCCD1}">
-              <a14:hiddenFill xmlns:a14="http://schemas.microsoft.com/office/drawing/2010/main">
-                <a:solidFill>
-                  <a:schemeClr val="accent1"/>
-                </a:solidFill>
-              </a14:hiddenFill>
-            </a:ext>
-            <a:ext uri="{AF507438-7753-43E0-B8FC-AC1667EBCBE1}">
-              <a14:hiddenEffects xmlns:a14="http://schemas.microsoft.com/office/drawing/2010/main">
-                <a:effectLst>
-                  <a:outerShdw dist="35921" dir="2700000" algn="ctr" rotWithShape="0">
-                    <a:schemeClr val="bg2"/>
-                  </a:outerShdw>
-                </a:effectLst>
-              </a14:hiddenEffects>
-            </a:ext>
-          </a:extLst>
-        </p:spPr>
-        <p:txBody>
-          <a:bodyPr anchor="ctr">
-            <a:spAutoFit/>
-          </a:bodyPr>
-          <a:lstStyle/>
-          <a:p>
-            <a:endParaRPr lang="en-US" dirty="0"/>
-          </a:p>
-        </p:txBody>
-      </p:sp>
-      <p:sp>
-        <p:nvSpPr>
-          <p:cNvPr id="51234" name="Freeform 109"/>
-          <p:cNvSpPr>
-            <a:spLocks/>
-          </p:cNvSpPr>
-          <p:nvPr/>
-        </p:nvSpPr>
-        <p:spPr bwMode="auto">
-          <a:xfrm>
-            <a:off x="5267325" y="3643313"/>
-            <a:ext cx="217488" cy="471487"/>
-          </a:xfrm>
-          <a:custGeom>
-            <a:avLst/>
-            <a:gdLst>
-              <a:gd name="T0" fmla="*/ 2147483646 w 108"/>
-              <a:gd name="T1" fmla="*/ 0 h 422"/>
-              <a:gd name="T2" fmla="*/ 2147483646 w 108"/>
-              <a:gd name="T3" fmla="*/ 2147483646 h 422"/>
-              <a:gd name="T4" fmla="*/ 2147483646 w 108"/>
-              <a:gd name="T5" fmla="*/ 2147483646 h 422"/>
-              <a:gd name="T6" fmla="*/ 0 60000 65536"/>
-              <a:gd name="T7" fmla="*/ 0 60000 65536"/>
-              <a:gd name="T8" fmla="*/ 0 60000 65536"/>
-            </a:gdLst>
-            <a:ahLst/>
-            <a:cxnLst>
-              <a:cxn ang="T6">
-                <a:pos x="T0" y="T1"/>
-              </a:cxn>
-              <a:cxn ang="T7">
-                <a:pos x="T2" y="T3"/>
-              </a:cxn>
-              <a:cxn ang="T8">
-                <a:pos x="T4" y="T5"/>
-              </a:cxn>
-            </a:cxnLst>
-            <a:rect l="0" t="0" r="r" b="b"/>
-            <a:pathLst>
-              <a:path w="108" h="422">
-                <a:moveTo>
-                  <a:pt x="98" y="0"/>
-                </a:moveTo>
-                <a:cubicBezTo>
-                  <a:pt x="49" y="61"/>
-                  <a:pt x="0" y="122"/>
-                  <a:pt x="2" y="192"/>
-                </a:cubicBezTo>
-                <a:cubicBezTo>
-                  <a:pt x="4" y="262"/>
-                  <a:pt x="92" y="387"/>
-                  <a:pt x="108" y="422"/>
-                </a:cubicBezTo>
-              </a:path>
-            </a:pathLst>
-          </a:custGeom>
-          <a:noFill/>
-          <a:ln w="12700" cap="flat" cmpd="sng">
-            <a:solidFill>
-              <a:schemeClr val="accent1"/>
-            </a:solidFill>
-            <a:prstDash val="dash"/>
-            <a:round/>
-            <a:headEnd/>
-            <a:tailEnd type="stealth" w="med" len="med"/>
-          </a:ln>
-          <a:effectLst/>
-          <a:extLst>
-            <a:ext uri="{909E8E84-426E-40DD-AFC4-6F175D3DCCD1}">
-              <a14:hiddenFill xmlns:a14="http://schemas.microsoft.com/office/drawing/2010/main">
-                <a:solidFill>
-                  <a:schemeClr val="accent1"/>
-                </a:solidFill>
-              </a14:hiddenFill>
-            </a:ext>
-            <a:ext uri="{AF507438-7753-43E0-B8FC-AC1667EBCBE1}">
-              <a14:hiddenEffects xmlns:a14="http://schemas.microsoft.com/office/drawing/2010/main">
-                <a:effectLst>
-                  <a:outerShdw dist="35921" dir="2700000" algn="ctr" rotWithShape="0">
-                    <a:schemeClr val="bg2"/>
-                  </a:outerShdw>
-                </a:effectLst>
-              </a14:hiddenEffects>
-            </a:ext>
-          </a:extLst>
-        </p:spPr>
-        <p:txBody>
-          <a:bodyPr anchor="ctr">
-            <a:spAutoFit/>
-          </a:bodyPr>
-          <a:lstStyle/>
-          <a:p>
-            <a:endParaRPr lang="en-US" dirty="0"/>
-          </a:p>
-        </p:txBody>
-      </p:sp>
-      <p:sp>
-        <p:nvSpPr>
-          <p:cNvPr id="51235" name="AutoShape 112"/>
+          <p:cNvPr id="51243" name="Oval 134"/>
           <p:cNvSpPr>
             <a:spLocks noChangeArrowheads="1"/>
           </p:cNvSpPr>
@@ -33543,15 +32931,15 @@
         </p:nvSpPr>
         <p:spPr bwMode="auto">
           <a:xfrm>
-            <a:off x="547688" y="1566863"/>
-            <a:ext cx="2135187" cy="577850"/>
+            <a:off x="3690937" y="2017852"/>
+            <a:ext cx="168275" cy="130175"/>
           </a:xfrm>
-          <a:prstGeom prst="roundRect">
-            <a:avLst>
-              <a:gd name="adj" fmla="val 16667"/>
-            </a:avLst>
+          <a:prstGeom prst="ellipse">
+            <a:avLst/>
           </a:prstGeom>
-          <a:noFill/>
+          <a:solidFill>
+            <a:schemeClr val="accent1"/>
+          </a:solidFill>
           <a:ln w="12700" algn="ctr">
             <a:solidFill>
               <a:schemeClr val="tx1"/>
@@ -33562,13 +32950,6 @@
           </a:ln>
           <a:effectLst/>
           <a:extLst>
-            <a:ext uri="{909E8E84-426E-40DD-AFC4-6F175D3DCCD1}">
-              <a14:hiddenFill xmlns:a14="http://schemas.microsoft.com/office/drawing/2010/main">
-                <a:solidFill>
-                  <a:schemeClr val="accent1"/>
-                </a:solidFill>
-              </a14:hiddenFill>
-            </a:ext>
             <a:ext uri="{AF507438-7753-43E0-B8FC-AC1667EBCBE1}">
               <a14:hiddenEffects xmlns:a14="http://schemas.microsoft.com/office/drawing/2010/main">
                 <a:effectLst>
@@ -33753,7 +33134,7 @@
             </a:lvl9pPr>
           </a:lstStyle>
           <a:p>
-            <a:pPr algn="ctr">
+            <a:pPr>
               <a:spcBef>
                 <a:spcPct val="50000"/>
               </a:spcBef>
@@ -33765,16 +33146,13 @@
               <a:buFontTx/>
               <a:buNone/>
             </a:pPr>
-            <a:r>
-              <a:rPr lang="en-US" altLang="en-US" sz="1400" b="0" dirty="0"/>
-              <a:t>UEIP == Yes &amp;&amp; EA_PRESENT == True</a:t>
-            </a:r>
+            <a:endParaRPr lang="en-US" altLang="en-US" sz="1800" dirty="0"/>
           </a:p>
         </p:txBody>
       </p:sp>
       <p:sp>
         <p:nvSpPr>
-          <p:cNvPr id="51236" name="AutoShape 115"/>
+          <p:cNvPr id="51245" name="Oval 136"/>
           <p:cNvSpPr>
             <a:spLocks noChangeArrowheads="1"/>
           </p:cNvSpPr>
@@ -33782,527 +33160,7 @@
         </p:nvSpPr>
         <p:spPr bwMode="auto">
           <a:xfrm>
-            <a:off x="5494338" y="5067300"/>
-            <a:ext cx="1400175" cy="342900"/>
-          </a:xfrm>
-          <a:prstGeom prst="roundRect">
-            <a:avLst>
-              <a:gd name="adj" fmla="val 16667"/>
-            </a:avLst>
-          </a:prstGeom>
-          <a:noFill/>
-          <a:ln w="12700" algn="ctr">
-            <a:solidFill>
-              <a:schemeClr val="tx1"/>
-            </a:solidFill>
-            <a:round/>
-            <a:headEnd/>
-            <a:tailEnd/>
-          </a:ln>
-          <a:effectLst/>
-          <a:extLst>
-            <a:ext uri="{909E8E84-426E-40DD-AFC4-6F175D3DCCD1}">
-              <a14:hiddenFill xmlns:a14="http://schemas.microsoft.com/office/drawing/2010/main">
-                <a:solidFill>
-                  <a:schemeClr val="accent1"/>
-                </a:solidFill>
-              </a14:hiddenFill>
-            </a:ext>
-            <a:ext uri="{AF507438-7753-43E0-B8FC-AC1667EBCBE1}">
-              <a14:hiddenEffects xmlns:a14="http://schemas.microsoft.com/office/drawing/2010/main">
-                <a:effectLst>
-                  <a:outerShdw dist="35921" dir="2700000" algn="ctr" rotWithShape="0">
-                    <a:schemeClr val="bg2"/>
-                  </a:outerShdw>
-                </a:effectLst>
-              </a14:hiddenEffects>
-            </a:ext>
-          </a:extLst>
-        </p:spPr>
-        <p:txBody>
-          <a:bodyPr anchor="ctr">
-            <a:spAutoFit/>
-          </a:bodyPr>
-          <a:lstStyle>
-            <a:lvl1pPr>
-              <a:spcBef>
-                <a:spcPct val="10000"/>
-              </a:spcBef>
-              <a:spcAft>
-                <a:spcPct val="10000"/>
-              </a:spcAft>
-              <a:buClr>
-                <a:srgbClr val="C28500"/>
-              </a:buClr>
-              <a:buSzPct val="125000"/>
-              <a:buFont typeface="Times"/>
-              <a:buChar char="•"/>
-              <a:defRPr sz="2000" b="1">
-                <a:solidFill>
-                  <a:schemeClr val="tx1"/>
-                </a:solidFill>
-                <a:latin typeface="Arial" charset="0"/>
-              </a:defRPr>
-            </a:lvl1pPr>
-            <a:lvl2pPr marL="742950" indent="-285750">
-              <a:spcBef>
-                <a:spcPct val="10000"/>
-              </a:spcBef>
-              <a:spcAft>
-                <a:spcPct val="10000"/>
-              </a:spcAft>
-              <a:buClr>
-                <a:schemeClr val="tx1"/>
-              </a:buClr>
-              <a:buChar char="-"/>
-              <a:defRPr sz="2000">
-                <a:solidFill>
-                  <a:schemeClr val="tx1"/>
-                </a:solidFill>
-                <a:latin typeface="Arial" charset="0"/>
-              </a:defRPr>
-            </a:lvl2pPr>
-            <a:lvl3pPr marL="1143000" indent="-228600">
-              <a:spcBef>
-                <a:spcPct val="10000"/>
-              </a:spcBef>
-              <a:spcAft>
-                <a:spcPct val="10000"/>
-              </a:spcAft>
-              <a:buClr>
-                <a:schemeClr val="tx1"/>
-              </a:buClr>
-              <a:buFont typeface="Times"/>
-              <a:buChar char="-"/>
-              <a:defRPr sz="2000" i="1">
-                <a:solidFill>
-                  <a:schemeClr val="tx1"/>
-                </a:solidFill>
-                <a:latin typeface="Arial" charset="0"/>
-              </a:defRPr>
-            </a:lvl3pPr>
-            <a:lvl4pPr marL="1600200" indent="-228600">
-              <a:spcBef>
-                <a:spcPct val="10000"/>
-              </a:spcBef>
-              <a:spcAft>
-                <a:spcPct val="10000"/>
-              </a:spcAft>
-              <a:buClr>
-                <a:schemeClr val="tx1"/>
-              </a:buClr>
-              <a:buFont typeface="Times"/>
-              <a:buChar char="-"/>
-              <a:defRPr sz="2000">
-                <a:solidFill>
-                  <a:schemeClr val="tx1"/>
-                </a:solidFill>
-                <a:latin typeface="Arial" charset="0"/>
-              </a:defRPr>
-            </a:lvl4pPr>
-            <a:lvl5pPr marL="2057400" indent="-228600">
-              <a:spcBef>
-                <a:spcPct val="10000"/>
-              </a:spcBef>
-              <a:spcAft>
-                <a:spcPct val="10000"/>
-              </a:spcAft>
-              <a:buClr>
-                <a:schemeClr val="tx1"/>
-              </a:buClr>
-              <a:buChar char="•"/>
-              <a:defRPr sz="2000">
-                <a:solidFill>
-                  <a:schemeClr val="tx1"/>
-                </a:solidFill>
-                <a:latin typeface="Arial" charset="0"/>
-              </a:defRPr>
-            </a:lvl5pPr>
-            <a:lvl6pPr marL="2514600" indent="-228600" eaLnBrk="0" fontAlgn="base" hangingPunct="0">
-              <a:spcBef>
-                <a:spcPct val="10000"/>
-              </a:spcBef>
-              <a:spcAft>
-                <a:spcPct val="10000"/>
-              </a:spcAft>
-              <a:buClr>
-                <a:schemeClr val="tx1"/>
-              </a:buClr>
-              <a:buChar char="•"/>
-              <a:defRPr sz="2000">
-                <a:solidFill>
-                  <a:schemeClr val="tx1"/>
-                </a:solidFill>
-                <a:latin typeface="Arial" charset="0"/>
-              </a:defRPr>
-            </a:lvl6pPr>
-            <a:lvl7pPr marL="2971800" indent="-228600" eaLnBrk="0" fontAlgn="base" hangingPunct="0">
-              <a:spcBef>
-                <a:spcPct val="10000"/>
-              </a:spcBef>
-              <a:spcAft>
-                <a:spcPct val="10000"/>
-              </a:spcAft>
-              <a:buClr>
-                <a:schemeClr val="tx1"/>
-              </a:buClr>
-              <a:buChar char="•"/>
-              <a:defRPr sz="2000">
-                <a:solidFill>
-                  <a:schemeClr val="tx1"/>
-                </a:solidFill>
-                <a:latin typeface="Arial" charset="0"/>
-              </a:defRPr>
-            </a:lvl7pPr>
-            <a:lvl8pPr marL="3429000" indent="-228600" eaLnBrk="0" fontAlgn="base" hangingPunct="0">
-              <a:spcBef>
-                <a:spcPct val="10000"/>
-              </a:spcBef>
-              <a:spcAft>
-                <a:spcPct val="10000"/>
-              </a:spcAft>
-              <a:buClr>
-                <a:schemeClr val="tx1"/>
-              </a:buClr>
-              <a:buChar char="•"/>
-              <a:defRPr sz="2000">
-                <a:solidFill>
-                  <a:schemeClr val="tx1"/>
-                </a:solidFill>
-                <a:latin typeface="Arial" charset="0"/>
-              </a:defRPr>
-            </a:lvl8pPr>
-            <a:lvl9pPr marL="3886200" indent="-228600" eaLnBrk="0" fontAlgn="base" hangingPunct="0">
-              <a:spcBef>
-                <a:spcPct val="10000"/>
-              </a:spcBef>
-              <a:spcAft>
-                <a:spcPct val="10000"/>
-              </a:spcAft>
-              <a:buClr>
-                <a:schemeClr val="tx1"/>
-              </a:buClr>
-              <a:buChar char="•"/>
-              <a:defRPr sz="2000">
-                <a:solidFill>
-                  <a:schemeClr val="tx1"/>
-                </a:solidFill>
-                <a:latin typeface="Arial" charset="0"/>
-              </a:defRPr>
-            </a:lvl9pPr>
-          </a:lstStyle>
-          <a:p>
-            <a:pPr algn="ctr">
-              <a:spcBef>
-                <a:spcPct val="50000"/>
-              </a:spcBef>
-              <a:spcAft>
-                <a:spcPct val="0"/>
-              </a:spcAft>
-              <a:buClrTx/>
-              <a:buSzTx/>
-              <a:buFontTx/>
-              <a:buNone/>
-            </a:pPr>
-            <a:r>
-              <a:rPr lang="en-US" altLang="en-US" sz="1400" b="0" dirty="0"/>
-              <a:t>URIP == NO</a:t>
-            </a:r>
-          </a:p>
-        </p:txBody>
-      </p:sp>
-      <p:cxnSp>
-        <p:nvCxnSpPr>
-          <p:cNvPr id="51237" name="AutoShape 116"/>
-          <p:cNvCxnSpPr>
-            <a:cxnSpLocks noChangeShapeType="1"/>
-          </p:cNvCxnSpPr>
-          <p:nvPr/>
-        </p:nvCxnSpPr>
-        <p:spPr bwMode="auto">
-          <a:xfrm rot="5400000" flipH="1">
-            <a:off x="5440363" y="4298950"/>
-            <a:ext cx="1155700" cy="381000"/>
-          </a:xfrm>
-          <a:prstGeom prst="curvedConnector3">
-            <a:avLst>
-              <a:gd name="adj1" fmla="val 50000"/>
-            </a:avLst>
-          </a:prstGeom>
-          <a:noFill/>
-          <a:ln w="25400">
-            <a:solidFill>
-              <a:schemeClr val="accent1"/>
-            </a:solidFill>
-            <a:prstDash val="lgDash"/>
-            <a:round/>
-            <a:headEnd type="oval" w="med" len="med"/>
-            <a:tailEnd type="triangle" w="lg" len="med"/>
-          </a:ln>
-          <a:effectLst/>
-          <a:extLst>
-            <a:ext uri="{909E8E84-426E-40DD-AFC4-6F175D3DCCD1}">
-              <a14:hiddenFill xmlns:a14="http://schemas.microsoft.com/office/drawing/2010/main">
-                <a:noFill/>
-              </a14:hiddenFill>
-            </a:ext>
-            <a:ext uri="{AF507438-7753-43E0-B8FC-AC1667EBCBE1}">
-              <a14:hiddenEffects xmlns:a14="http://schemas.microsoft.com/office/drawing/2010/main">
-                <a:effectLst>
-                  <a:outerShdw dist="35921" dir="2700000" algn="ctr" rotWithShape="0">
-                    <a:schemeClr val="bg2"/>
-                  </a:outerShdw>
-                </a:effectLst>
-              </a14:hiddenEffects>
-            </a:ext>
-          </a:extLst>
-        </p:spPr>
-      </p:cxnSp>
-      <p:sp>
-        <p:nvSpPr>
-          <p:cNvPr id="51238" name="Freeform 118"/>
-          <p:cNvSpPr>
-            <a:spLocks/>
-          </p:cNvSpPr>
-          <p:nvPr/>
-        </p:nvSpPr>
-        <p:spPr bwMode="auto">
-          <a:xfrm rot="5400000">
-            <a:off x="4134644" y="2142331"/>
-            <a:ext cx="171450" cy="623888"/>
-          </a:xfrm>
-          <a:custGeom>
-            <a:avLst/>
-            <a:gdLst>
-              <a:gd name="T0" fmla="*/ 2147483646 w 108"/>
-              <a:gd name="T1" fmla="*/ 0 h 422"/>
-              <a:gd name="T2" fmla="*/ 2147483646 w 108"/>
-              <a:gd name="T3" fmla="*/ 2147483646 h 422"/>
-              <a:gd name="T4" fmla="*/ 2147483646 w 108"/>
-              <a:gd name="T5" fmla="*/ 2147483646 h 422"/>
-              <a:gd name="T6" fmla="*/ 0 60000 65536"/>
-              <a:gd name="T7" fmla="*/ 0 60000 65536"/>
-              <a:gd name="T8" fmla="*/ 0 60000 65536"/>
-            </a:gdLst>
-            <a:ahLst/>
-            <a:cxnLst>
-              <a:cxn ang="T6">
-                <a:pos x="T0" y="T1"/>
-              </a:cxn>
-              <a:cxn ang="T7">
-                <a:pos x="T2" y="T3"/>
-              </a:cxn>
-              <a:cxn ang="T8">
-                <a:pos x="T4" y="T5"/>
-              </a:cxn>
-            </a:cxnLst>
-            <a:rect l="0" t="0" r="r" b="b"/>
-            <a:pathLst>
-              <a:path w="108" h="422">
-                <a:moveTo>
-                  <a:pt x="98" y="0"/>
-                </a:moveTo>
-                <a:cubicBezTo>
-                  <a:pt x="49" y="61"/>
-                  <a:pt x="0" y="122"/>
-                  <a:pt x="2" y="192"/>
-                </a:cubicBezTo>
-                <a:cubicBezTo>
-                  <a:pt x="4" y="262"/>
-                  <a:pt x="92" y="387"/>
-                  <a:pt x="108" y="422"/>
-                </a:cubicBezTo>
-              </a:path>
-            </a:pathLst>
-          </a:custGeom>
-          <a:noFill/>
-          <a:ln w="12700" cap="flat" cmpd="sng">
-            <a:solidFill>
-              <a:schemeClr val="accent1"/>
-            </a:solidFill>
-            <a:prstDash val="dash"/>
-            <a:round/>
-            <a:headEnd/>
-            <a:tailEnd type="stealth" w="med" len="med"/>
-          </a:ln>
-          <a:effectLst/>
-          <a:extLst>
-            <a:ext uri="{909E8E84-426E-40DD-AFC4-6F175D3DCCD1}">
-              <a14:hiddenFill xmlns:a14="http://schemas.microsoft.com/office/drawing/2010/main">
-                <a:solidFill>
-                  <a:schemeClr val="accent1"/>
-                </a:solidFill>
-              </a14:hiddenFill>
-            </a:ext>
-            <a:ext uri="{AF507438-7753-43E0-B8FC-AC1667EBCBE1}">
-              <a14:hiddenEffects xmlns:a14="http://schemas.microsoft.com/office/drawing/2010/main">
-                <a:effectLst>
-                  <a:outerShdw dist="35921" dir="2700000" algn="ctr" rotWithShape="0">
-                    <a:schemeClr val="bg2"/>
-                  </a:outerShdw>
-                </a:effectLst>
-              </a14:hiddenEffects>
-            </a:ext>
-          </a:extLst>
-        </p:spPr>
-        <p:txBody>
-          <a:bodyPr anchor="ctr">
-            <a:spAutoFit/>
-          </a:bodyPr>
-          <a:lstStyle/>
-          <a:p>
-            <a:endParaRPr lang="en-US" dirty="0"/>
-          </a:p>
-        </p:txBody>
-      </p:sp>
-      <p:cxnSp>
-        <p:nvCxnSpPr>
-          <p:cNvPr id="51239" name="AutoShape 119"/>
-          <p:cNvCxnSpPr>
-            <a:cxnSpLocks noChangeShapeType="1"/>
-          </p:cNvCxnSpPr>
-          <p:nvPr/>
-        </p:nvCxnSpPr>
-        <p:spPr bwMode="auto">
-          <a:xfrm rot="16200000" flipH="1">
-            <a:off x="1430338" y="2459038"/>
-            <a:ext cx="1146175" cy="517525"/>
-          </a:xfrm>
-          <a:prstGeom prst="curvedConnector3">
-            <a:avLst>
-              <a:gd name="adj1" fmla="val 50000"/>
-            </a:avLst>
-          </a:prstGeom>
-          <a:noFill/>
-          <a:ln w="25400">
-            <a:solidFill>
-              <a:schemeClr val="accent1"/>
-            </a:solidFill>
-            <a:prstDash val="lgDash"/>
-            <a:round/>
-            <a:headEnd type="oval" w="med" len="med"/>
-            <a:tailEnd type="triangle" w="lg" len="med"/>
-          </a:ln>
-          <a:effectLst/>
-          <a:extLst>
-            <a:ext uri="{909E8E84-426E-40DD-AFC4-6F175D3DCCD1}">
-              <a14:hiddenFill xmlns:a14="http://schemas.microsoft.com/office/drawing/2010/main">
-                <a:noFill/>
-              </a14:hiddenFill>
-            </a:ext>
-            <a:ext uri="{AF507438-7753-43E0-B8FC-AC1667EBCBE1}">
-              <a14:hiddenEffects xmlns:a14="http://schemas.microsoft.com/office/drawing/2010/main">
-                <a:effectLst>
-                  <a:outerShdw dist="35921" dir="2700000" algn="ctr" rotWithShape="0">
-                    <a:schemeClr val="bg2"/>
-                  </a:outerShdw>
-                </a:effectLst>
-              </a14:hiddenEffects>
-            </a:ext>
-          </a:extLst>
-        </p:spPr>
-      </p:cxnSp>
-      <p:cxnSp>
-        <p:nvCxnSpPr>
-          <p:cNvPr id="51240" name="AutoShape 120"/>
-          <p:cNvCxnSpPr>
-            <a:cxnSpLocks noChangeShapeType="1"/>
-          </p:cNvCxnSpPr>
-          <p:nvPr/>
-        </p:nvCxnSpPr>
-        <p:spPr bwMode="auto">
-          <a:xfrm rot="16200000" flipH="1">
-            <a:off x="2634457" y="1254919"/>
-            <a:ext cx="652462" cy="2432050"/>
-          </a:xfrm>
-          <a:prstGeom prst="curvedConnector2">
-            <a:avLst/>
-          </a:prstGeom>
-          <a:noFill/>
-          <a:ln w="25400">
-            <a:solidFill>
-              <a:schemeClr val="accent1"/>
-            </a:solidFill>
-            <a:prstDash val="lgDash"/>
-            <a:round/>
-            <a:headEnd type="oval" w="med" len="med"/>
-            <a:tailEnd type="triangle" w="med" len="med"/>
-          </a:ln>
-          <a:effectLst/>
-          <a:extLst>
-            <a:ext uri="{909E8E84-426E-40DD-AFC4-6F175D3DCCD1}">
-              <a14:hiddenFill xmlns:a14="http://schemas.microsoft.com/office/drawing/2010/main">
-                <a:noFill/>
-              </a14:hiddenFill>
-            </a:ext>
-            <a:ext uri="{AF507438-7753-43E0-B8FC-AC1667EBCBE1}">
-              <a14:hiddenEffects xmlns:a14="http://schemas.microsoft.com/office/drawing/2010/main">
-                <a:effectLst>
-                  <a:outerShdw dist="35921" dir="2700000" algn="ctr" rotWithShape="0">
-                    <a:schemeClr val="bg2"/>
-                  </a:outerShdw>
-                </a:effectLst>
-              </a14:hiddenEffects>
-            </a:ext>
-          </a:extLst>
-        </p:spPr>
-      </p:cxnSp>
-      <p:cxnSp>
-        <p:nvCxnSpPr>
-          <p:cNvPr id="51241" name="AutoShape 123"/>
-          <p:cNvCxnSpPr>
-            <a:cxnSpLocks noChangeShapeType="1"/>
-          </p:cNvCxnSpPr>
-          <p:nvPr/>
-        </p:nvCxnSpPr>
-        <p:spPr bwMode="auto">
-          <a:xfrm rot="16200000" flipH="1">
-            <a:off x="2634457" y="1254919"/>
-            <a:ext cx="652462" cy="2432050"/>
-          </a:xfrm>
-          <a:prstGeom prst="curvedConnector2">
-            <a:avLst/>
-          </a:prstGeom>
-          <a:noFill/>
-          <a:ln w="25400">
-            <a:solidFill>
-              <a:schemeClr val="accent1"/>
-            </a:solidFill>
-            <a:prstDash val="lgDash"/>
-            <a:round/>
-            <a:headEnd type="oval" w="med" len="med"/>
-            <a:tailEnd type="triangle" w="lg" len="med"/>
-          </a:ln>
-          <a:effectLst/>
-          <a:extLst>
-            <a:ext uri="{909E8E84-426E-40DD-AFC4-6F175D3DCCD1}">
-              <a14:hiddenFill xmlns:a14="http://schemas.microsoft.com/office/drawing/2010/main">
-                <a:noFill/>
-              </a14:hiddenFill>
-            </a:ext>
-            <a:ext uri="{AF507438-7753-43E0-B8FC-AC1667EBCBE1}">
-              <a14:hiddenEffects xmlns:a14="http://schemas.microsoft.com/office/drawing/2010/main">
-                <a:effectLst>
-                  <a:outerShdw dist="35921" dir="2700000" algn="ctr" rotWithShape="0">
-                    <a:schemeClr val="bg2"/>
-                  </a:outerShdw>
-                </a:effectLst>
-              </a14:hiddenEffects>
-            </a:ext>
-          </a:extLst>
-        </p:spPr>
-      </p:cxnSp>
-      <p:sp>
-        <p:nvSpPr>
-          <p:cNvPr id="51242" name="Oval 133"/>
-          <p:cNvSpPr>
-            <a:spLocks noChangeArrowheads="1"/>
-          </p:cNvSpPr>
-          <p:nvPr/>
-        </p:nvSpPr>
-        <p:spPr bwMode="auto">
-          <a:xfrm>
-            <a:off x="5232400" y="4137025"/>
+            <a:off x="4695824" y="1997812"/>
             <a:ext cx="142875" cy="142875"/>
           </a:xfrm>
           <a:prstGeom prst="ellipse">
@@ -34521,1165 +33379,20 @@
           </a:p>
         </p:txBody>
       </p:sp>
-      <p:sp>
-        <p:nvSpPr>
-          <p:cNvPr id="51243" name="Oval 134"/>
-          <p:cNvSpPr>
-            <a:spLocks noChangeArrowheads="1"/>
-          </p:cNvSpPr>
-          <p:nvPr/>
-        </p:nvSpPr>
-        <p:spPr bwMode="auto">
-          <a:xfrm>
-            <a:off x="3703638" y="2406650"/>
-            <a:ext cx="168275" cy="130175"/>
-          </a:xfrm>
-          <a:prstGeom prst="ellipse">
-            <a:avLst/>
-          </a:prstGeom>
-          <a:solidFill>
-            <a:schemeClr val="accent1"/>
-          </a:solidFill>
-          <a:ln w="12700" algn="ctr">
-            <a:solidFill>
-              <a:schemeClr val="tx1"/>
-            </a:solidFill>
-            <a:round/>
-            <a:headEnd/>
-            <a:tailEnd/>
-          </a:ln>
-          <a:effectLst/>
-          <a:extLst>
-            <a:ext uri="{AF507438-7753-43E0-B8FC-AC1667EBCBE1}">
-              <a14:hiddenEffects xmlns:a14="http://schemas.microsoft.com/office/drawing/2010/main">
-                <a:effectLst>
-                  <a:outerShdw dist="35921" dir="2700000" algn="ctr" rotWithShape="0">
-                    <a:schemeClr val="bg2"/>
-                  </a:outerShdw>
-                </a:effectLst>
-              </a14:hiddenEffects>
-            </a:ext>
-          </a:extLst>
-        </p:spPr>
-        <p:txBody>
-          <a:bodyPr anchor="ctr">
-            <a:spAutoFit/>
-          </a:bodyPr>
-          <a:lstStyle>
-            <a:lvl1pPr>
-              <a:spcBef>
-                <a:spcPct val="10000"/>
-              </a:spcBef>
-              <a:spcAft>
-                <a:spcPct val="10000"/>
-              </a:spcAft>
-              <a:buClr>
-                <a:srgbClr val="C28500"/>
-              </a:buClr>
-              <a:buSzPct val="125000"/>
-              <a:buFont typeface="Times"/>
-              <a:buChar char="•"/>
-              <a:defRPr sz="2000" b="1">
-                <a:solidFill>
-                  <a:schemeClr val="tx1"/>
-                </a:solidFill>
-                <a:latin typeface="Arial" charset="0"/>
-              </a:defRPr>
-            </a:lvl1pPr>
-            <a:lvl2pPr marL="742950" indent="-285750">
-              <a:spcBef>
-                <a:spcPct val="10000"/>
-              </a:spcBef>
-              <a:spcAft>
-                <a:spcPct val="10000"/>
-              </a:spcAft>
-              <a:buClr>
-                <a:schemeClr val="tx1"/>
-              </a:buClr>
-              <a:buChar char="-"/>
-              <a:defRPr sz="2000">
-                <a:solidFill>
-                  <a:schemeClr val="tx1"/>
-                </a:solidFill>
-                <a:latin typeface="Arial" charset="0"/>
-              </a:defRPr>
-            </a:lvl2pPr>
-            <a:lvl3pPr marL="1143000" indent="-228600">
-              <a:spcBef>
-                <a:spcPct val="10000"/>
-              </a:spcBef>
-              <a:spcAft>
-                <a:spcPct val="10000"/>
-              </a:spcAft>
-              <a:buClr>
-                <a:schemeClr val="tx1"/>
-              </a:buClr>
-              <a:buFont typeface="Times"/>
-              <a:buChar char="-"/>
-              <a:defRPr sz="2000" i="1">
-                <a:solidFill>
-                  <a:schemeClr val="tx1"/>
-                </a:solidFill>
-                <a:latin typeface="Arial" charset="0"/>
-              </a:defRPr>
-            </a:lvl3pPr>
-            <a:lvl4pPr marL="1600200" indent="-228600">
-              <a:spcBef>
-                <a:spcPct val="10000"/>
-              </a:spcBef>
-              <a:spcAft>
-                <a:spcPct val="10000"/>
-              </a:spcAft>
-              <a:buClr>
-                <a:schemeClr val="tx1"/>
-              </a:buClr>
-              <a:buFont typeface="Times"/>
-              <a:buChar char="-"/>
-              <a:defRPr sz="2000">
-                <a:solidFill>
-                  <a:schemeClr val="tx1"/>
-                </a:solidFill>
-                <a:latin typeface="Arial" charset="0"/>
-              </a:defRPr>
-            </a:lvl4pPr>
-            <a:lvl5pPr marL="2057400" indent="-228600">
-              <a:spcBef>
-                <a:spcPct val="10000"/>
-              </a:spcBef>
-              <a:spcAft>
-                <a:spcPct val="10000"/>
-              </a:spcAft>
-              <a:buClr>
-                <a:schemeClr val="tx1"/>
-              </a:buClr>
-              <a:buChar char="•"/>
-              <a:defRPr sz="2000">
-                <a:solidFill>
-                  <a:schemeClr val="tx1"/>
-                </a:solidFill>
-                <a:latin typeface="Arial" charset="0"/>
-              </a:defRPr>
-            </a:lvl5pPr>
-            <a:lvl6pPr marL="2514600" indent="-228600" eaLnBrk="0" fontAlgn="base" hangingPunct="0">
-              <a:spcBef>
-                <a:spcPct val="10000"/>
-              </a:spcBef>
-              <a:spcAft>
-                <a:spcPct val="10000"/>
-              </a:spcAft>
-              <a:buClr>
-                <a:schemeClr val="tx1"/>
-              </a:buClr>
-              <a:buChar char="•"/>
-              <a:defRPr sz="2000">
-                <a:solidFill>
-                  <a:schemeClr val="tx1"/>
-                </a:solidFill>
-                <a:latin typeface="Arial" charset="0"/>
-              </a:defRPr>
-            </a:lvl6pPr>
-            <a:lvl7pPr marL="2971800" indent="-228600" eaLnBrk="0" fontAlgn="base" hangingPunct="0">
-              <a:spcBef>
-                <a:spcPct val="10000"/>
-              </a:spcBef>
-              <a:spcAft>
-                <a:spcPct val="10000"/>
-              </a:spcAft>
-              <a:buClr>
-                <a:schemeClr val="tx1"/>
-              </a:buClr>
-              <a:buChar char="•"/>
-              <a:defRPr sz="2000">
-                <a:solidFill>
-                  <a:schemeClr val="tx1"/>
-                </a:solidFill>
-                <a:latin typeface="Arial" charset="0"/>
-              </a:defRPr>
-            </a:lvl7pPr>
-            <a:lvl8pPr marL="3429000" indent="-228600" eaLnBrk="0" fontAlgn="base" hangingPunct="0">
-              <a:spcBef>
-                <a:spcPct val="10000"/>
-              </a:spcBef>
-              <a:spcAft>
-                <a:spcPct val="10000"/>
-              </a:spcAft>
-              <a:buClr>
-                <a:schemeClr val="tx1"/>
-              </a:buClr>
-              <a:buChar char="•"/>
-              <a:defRPr sz="2000">
-                <a:solidFill>
-                  <a:schemeClr val="tx1"/>
-                </a:solidFill>
-                <a:latin typeface="Arial" charset="0"/>
-              </a:defRPr>
-            </a:lvl8pPr>
-            <a:lvl9pPr marL="3886200" indent="-228600" eaLnBrk="0" fontAlgn="base" hangingPunct="0">
-              <a:spcBef>
-                <a:spcPct val="10000"/>
-              </a:spcBef>
-              <a:spcAft>
-                <a:spcPct val="10000"/>
-              </a:spcAft>
-              <a:buClr>
-                <a:schemeClr val="tx1"/>
-              </a:buClr>
-              <a:buChar char="•"/>
-              <a:defRPr sz="2000">
-                <a:solidFill>
-                  <a:schemeClr val="tx1"/>
-                </a:solidFill>
-                <a:latin typeface="Arial" charset="0"/>
-              </a:defRPr>
-            </a:lvl9pPr>
-          </a:lstStyle>
-          <a:p>
-            <a:pPr>
-              <a:spcBef>
-                <a:spcPct val="50000"/>
-              </a:spcBef>
-              <a:spcAft>
-                <a:spcPct val="0"/>
-              </a:spcAft>
-              <a:buClrTx/>
-              <a:buSzTx/>
-              <a:buFontTx/>
-              <a:buNone/>
-            </a:pPr>
-            <a:endParaRPr lang="en-US" altLang="en-US" sz="1800" dirty="0"/>
-          </a:p>
-        </p:txBody>
-      </p:sp>
-      <p:sp>
-        <p:nvSpPr>
-          <p:cNvPr id="51244" name="Oval 135"/>
-          <p:cNvSpPr>
-            <a:spLocks noChangeArrowheads="1"/>
-          </p:cNvSpPr>
-          <p:nvPr/>
-        </p:nvSpPr>
-        <p:spPr bwMode="auto">
-          <a:xfrm>
-            <a:off x="5176838" y="3362325"/>
-            <a:ext cx="142875" cy="142875"/>
-          </a:xfrm>
-          <a:prstGeom prst="ellipse">
-            <a:avLst/>
-          </a:prstGeom>
-          <a:solidFill>
-            <a:schemeClr val="accent1"/>
-          </a:solidFill>
-          <a:ln w="12700" algn="ctr">
-            <a:solidFill>
-              <a:schemeClr val="tx1"/>
-            </a:solidFill>
-            <a:round/>
-            <a:headEnd/>
-            <a:tailEnd/>
-          </a:ln>
-          <a:effectLst/>
-          <a:extLst>
-            <a:ext uri="{AF507438-7753-43E0-B8FC-AC1667EBCBE1}">
-              <a14:hiddenEffects xmlns:a14="http://schemas.microsoft.com/office/drawing/2010/main">
-                <a:effectLst>
-                  <a:outerShdw dist="35921" dir="2700000" algn="ctr" rotWithShape="0">
-                    <a:schemeClr val="bg2"/>
-                  </a:outerShdw>
-                </a:effectLst>
-              </a14:hiddenEffects>
-            </a:ext>
-          </a:extLst>
-        </p:spPr>
-        <p:txBody>
-          <a:bodyPr anchor="ctr">
-            <a:spAutoFit/>
-          </a:bodyPr>
-          <a:lstStyle>
-            <a:lvl1pPr>
-              <a:spcBef>
-                <a:spcPct val="10000"/>
-              </a:spcBef>
-              <a:spcAft>
-                <a:spcPct val="10000"/>
-              </a:spcAft>
-              <a:buClr>
-                <a:srgbClr val="C28500"/>
-              </a:buClr>
-              <a:buSzPct val="125000"/>
-              <a:buFont typeface="Times"/>
-              <a:buChar char="•"/>
-              <a:defRPr sz="2000" b="1">
-                <a:solidFill>
-                  <a:schemeClr val="tx1"/>
-                </a:solidFill>
-                <a:latin typeface="Arial" charset="0"/>
-              </a:defRPr>
-            </a:lvl1pPr>
-            <a:lvl2pPr marL="742950" indent="-285750">
-              <a:spcBef>
-                <a:spcPct val="10000"/>
-              </a:spcBef>
-              <a:spcAft>
-                <a:spcPct val="10000"/>
-              </a:spcAft>
-              <a:buClr>
-                <a:schemeClr val="tx1"/>
-              </a:buClr>
-              <a:buChar char="-"/>
-              <a:defRPr sz="2000">
-                <a:solidFill>
-                  <a:schemeClr val="tx1"/>
-                </a:solidFill>
-                <a:latin typeface="Arial" charset="0"/>
-              </a:defRPr>
-            </a:lvl2pPr>
-            <a:lvl3pPr marL="1143000" indent="-228600">
-              <a:spcBef>
-                <a:spcPct val="10000"/>
-              </a:spcBef>
-              <a:spcAft>
-                <a:spcPct val="10000"/>
-              </a:spcAft>
-              <a:buClr>
-                <a:schemeClr val="tx1"/>
-              </a:buClr>
-              <a:buFont typeface="Times"/>
-              <a:buChar char="-"/>
-              <a:defRPr sz="2000" i="1">
-                <a:solidFill>
-                  <a:schemeClr val="tx1"/>
-                </a:solidFill>
-                <a:latin typeface="Arial" charset="0"/>
-              </a:defRPr>
-            </a:lvl3pPr>
-            <a:lvl4pPr marL="1600200" indent="-228600">
-              <a:spcBef>
-                <a:spcPct val="10000"/>
-              </a:spcBef>
-              <a:spcAft>
-                <a:spcPct val="10000"/>
-              </a:spcAft>
-              <a:buClr>
-                <a:schemeClr val="tx1"/>
-              </a:buClr>
-              <a:buFont typeface="Times"/>
-              <a:buChar char="-"/>
-              <a:defRPr sz="2000">
-                <a:solidFill>
-                  <a:schemeClr val="tx1"/>
-                </a:solidFill>
-                <a:latin typeface="Arial" charset="0"/>
-              </a:defRPr>
-            </a:lvl4pPr>
-            <a:lvl5pPr marL="2057400" indent="-228600">
-              <a:spcBef>
-                <a:spcPct val="10000"/>
-              </a:spcBef>
-              <a:spcAft>
-                <a:spcPct val="10000"/>
-              </a:spcAft>
-              <a:buClr>
-                <a:schemeClr val="tx1"/>
-              </a:buClr>
-              <a:buChar char="•"/>
-              <a:defRPr sz="2000">
-                <a:solidFill>
-                  <a:schemeClr val="tx1"/>
-                </a:solidFill>
-                <a:latin typeface="Arial" charset="0"/>
-              </a:defRPr>
-            </a:lvl5pPr>
-            <a:lvl6pPr marL="2514600" indent="-228600" eaLnBrk="0" fontAlgn="base" hangingPunct="0">
-              <a:spcBef>
-                <a:spcPct val="10000"/>
-              </a:spcBef>
-              <a:spcAft>
-                <a:spcPct val="10000"/>
-              </a:spcAft>
-              <a:buClr>
-                <a:schemeClr val="tx1"/>
-              </a:buClr>
-              <a:buChar char="•"/>
-              <a:defRPr sz="2000">
-                <a:solidFill>
-                  <a:schemeClr val="tx1"/>
-                </a:solidFill>
-                <a:latin typeface="Arial" charset="0"/>
-              </a:defRPr>
-            </a:lvl6pPr>
-            <a:lvl7pPr marL="2971800" indent="-228600" eaLnBrk="0" fontAlgn="base" hangingPunct="0">
-              <a:spcBef>
-                <a:spcPct val="10000"/>
-              </a:spcBef>
-              <a:spcAft>
-                <a:spcPct val="10000"/>
-              </a:spcAft>
-              <a:buClr>
-                <a:schemeClr val="tx1"/>
-              </a:buClr>
-              <a:buChar char="•"/>
-              <a:defRPr sz="2000">
-                <a:solidFill>
-                  <a:schemeClr val="tx1"/>
-                </a:solidFill>
-                <a:latin typeface="Arial" charset="0"/>
-              </a:defRPr>
-            </a:lvl7pPr>
-            <a:lvl8pPr marL="3429000" indent="-228600" eaLnBrk="0" fontAlgn="base" hangingPunct="0">
-              <a:spcBef>
-                <a:spcPct val="10000"/>
-              </a:spcBef>
-              <a:spcAft>
-                <a:spcPct val="10000"/>
-              </a:spcAft>
-              <a:buClr>
-                <a:schemeClr val="tx1"/>
-              </a:buClr>
-              <a:buChar char="•"/>
-              <a:defRPr sz="2000">
-                <a:solidFill>
-                  <a:schemeClr val="tx1"/>
-                </a:solidFill>
-                <a:latin typeface="Arial" charset="0"/>
-              </a:defRPr>
-            </a:lvl8pPr>
-            <a:lvl9pPr marL="3886200" indent="-228600" eaLnBrk="0" fontAlgn="base" hangingPunct="0">
-              <a:spcBef>
-                <a:spcPct val="10000"/>
-              </a:spcBef>
-              <a:spcAft>
-                <a:spcPct val="10000"/>
-              </a:spcAft>
-              <a:buClr>
-                <a:schemeClr val="tx1"/>
-              </a:buClr>
-              <a:buChar char="•"/>
-              <a:defRPr sz="2000">
-                <a:solidFill>
-                  <a:schemeClr val="tx1"/>
-                </a:solidFill>
-                <a:latin typeface="Arial" charset="0"/>
-              </a:defRPr>
-            </a:lvl9pPr>
-          </a:lstStyle>
-          <a:p>
-            <a:pPr>
-              <a:spcBef>
-                <a:spcPct val="50000"/>
-              </a:spcBef>
-              <a:spcAft>
-                <a:spcPct val="0"/>
-              </a:spcAft>
-              <a:buClrTx/>
-              <a:buSzTx/>
-              <a:buFontTx/>
-              <a:buNone/>
-            </a:pPr>
-            <a:endParaRPr lang="en-US" altLang="en-US" sz="1800" dirty="0"/>
-          </a:p>
-        </p:txBody>
-      </p:sp>
-      <p:sp>
-        <p:nvSpPr>
-          <p:cNvPr id="51245" name="Oval 136"/>
-          <p:cNvSpPr>
-            <a:spLocks noChangeArrowheads="1"/>
-          </p:cNvSpPr>
-          <p:nvPr/>
-        </p:nvSpPr>
-        <p:spPr bwMode="auto">
-          <a:xfrm>
-            <a:off x="4649788" y="2401888"/>
-            <a:ext cx="142875" cy="142875"/>
-          </a:xfrm>
-          <a:prstGeom prst="ellipse">
-            <a:avLst/>
-          </a:prstGeom>
-          <a:solidFill>
-            <a:schemeClr val="accent1"/>
-          </a:solidFill>
-          <a:ln w="12700" algn="ctr">
-            <a:solidFill>
-              <a:schemeClr val="tx1"/>
-            </a:solidFill>
-            <a:round/>
-            <a:headEnd/>
-            <a:tailEnd/>
-          </a:ln>
-          <a:effectLst/>
-          <a:extLst>
-            <a:ext uri="{AF507438-7753-43E0-B8FC-AC1667EBCBE1}">
-              <a14:hiddenEffects xmlns:a14="http://schemas.microsoft.com/office/drawing/2010/main">
-                <a:effectLst>
-                  <a:outerShdw dist="35921" dir="2700000" algn="ctr" rotWithShape="0">
-                    <a:schemeClr val="bg2"/>
-                  </a:outerShdw>
-                </a:effectLst>
-              </a14:hiddenEffects>
-            </a:ext>
-          </a:extLst>
-        </p:spPr>
-        <p:txBody>
-          <a:bodyPr anchor="ctr">
-            <a:spAutoFit/>
-          </a:bodyPr>
-          <a:lstStyle>
-            <a:lvl1pPr>
-              <a:spcBef>
-                <a:spcPct val="10000"/>
-              </a:spcBef>
-              <a:spcAft>
-                <a:spcPct val="10000"/>
-              </a:spcAft>
-              <a:buClr>
-                <a:srgbClr val="C28500"/>
-              </a:buClr>
-              <a:buSzPct val="125000"/>
-              <a:buFont typeface="Times"/>
-              <a:buChar char="•"/>
-              <a:defRPr sz="2000" b="1">
-                <a:solidFill>
-                  <a:schemeClr val="tx1"/>
-                </a:solidFill>
-                <a:latin typeface="Arial" charset="0"/>
-              </a:defRPr>
-            </a:lvl1pPr>
-            <a:lvl2pPr marL="742950" indent="-285750">
-              <a:spcBef>
-                <a:spcPct val="10000"/>
-              </a:spcBef>
-              <a:spcAft>
-                <a:spcPct val="10000"/>
-              </a:spcAft>
-              <a:buClr>
-                <a:schemeClr val="tx1"/>
-              </a:buClr>
-              <a:buChar char="-"/>
-              <a:defRPr sz="2000">
-                <a:solidFill>
-                  <a:schemeClr val="tx1"/>
-                </a:solidFill>
-                <a:latin typeface="Arial" charset="0"/>
-              </a:defRPr>
-            </a:lvl2pPr>
-            <a:lvl3pPr marL="1143000" indent="-228600">
-              <a:spcBef>
-                <a:spcPct val="10000"/>
-              </a:spcBef>
-              <a:spcAft>
-                <a:spcPct val="10000"/>
-              </a:spcAft>
-              <a:buClr>
-                <a:schemeClr val="tx1"/>
-              </a:buClr>
-              <a:buFont typeface="Times"/>
-              <a:buChar char="-"/>
-              <a:defRPr sz="2000" i="1">
-                <a:solidFill>
-                  <a:schemeClr val="tx1"/>
-                </a:solidFill>
-                <a:latin typeface="Arial" charset="0"/>
-              </a:defRPr>
-            </a:lvl3pPr>
-            <a:lvl4pPr marL="1600200" indent="-228600">
-              <a:spcBef>
-                <a:spcPct val="10000"/>
-              </a:spcBef>
-              <a:spcAft>
-                <a:spcPct val="10000"/>
-              </a:spcAft>
-              <a:buClr>
-                <a:schemeClr val="tx1"/>
-              </a:buClr>
-              <a:buFont typeface="Times"/>
-              <a:buChar char="-"/>
-              <a:defRPr sz="2000">
-                <a:solidFill>
-                  <a:schemeClr val="tx1"/>
-                </a:solidFill>
-                <a:latin typeface="Arial" charset="0"/>
-              </a:defRPr>
-            </a:lvl4pPr>
-            <a:lvl5pPr marL="2057400" indent="-228600">
-              <a:spcBef>
-                <a:spcPct val="10000"/>
-              </a:spcBef>
-              <a:spcAft>
-                <a:spcPct val="10000"/>
-              </a:spcAft>
-              <a:buClr>
-                <a:schemeClr val="tx1"/>
-              </a:buClr>
-              <a:buChar char="•"/>
-              <a:defRPr sz="2000">
-                <a:solidFill>
-                  <a:schemeClr val="tx1"/>
-                </a:solidFill>
-                <a:latin typeface="Arial" charset="0"/>
-              </a:defRPr>
-            </a:lvl5pPr>
-            <a:lvl6pPr marL="2514600" indent="-228600" eaLnBrk="0" fontAlgn="base" hangingPunct="0">
-              <a:spcBef>
-                <a:spcPct val="10000"/>
-              </a:spcBef>
-              <a:spcAft>
-                <a:spcPct val="10000"/>
-              </a:spcAft>
-              <a:buClr>
-                <a:schemeClr val="tx1"/>
-              </a:buClr>
-              <a:buChar char="•"/>
-              <a:defRPr sz="2000">
-                <a:solidFill>
-                  <a:schemeClr val="tx1"/>
-                </a:solidFill>
-                <a:latin typeface="Arial" charset="0"/>
-              </a:defRPr>
-            </a:lvl6pPr>
-            <a:lvl7pPr marL="2971800" indent="-228600" eaLnBrk="0" fontAlgn="base" hangingPunct="0">
-              <a:spcBef>
-                <a:spcPct val="10000"/>
-              </a:spcBef>
-              <a:spcAft>
-                <a:spcPct val="10000"/>
-              </a:spcAft>
-              <a:buClr>
-                <a:schemeClr val="tx1"/>
-              </a:buClr>
-              <a:buChar char="•"/>
-              <a:defRPr sz="2000">
-                <a:solidFill>
-                  <a:schemeClr val="tx1"/>
-                </a:solidFill>
-                <a:latin typeface="Arial" charset="0"/>
-              </a:defRPr>
-            </a:lvl7pPr>
-            <a:lvl8pPr marL="3429000" indent="-228600" eaLnBrk="0" fontAlgn="base" hangingPunct="0">
-              <a:spcBef>
-                <a:spcPct val="10000"/>
-              </a:spcBef>
-              <a:spcAft>
-                <a:spcPct val="10000"/>
-              </a:spcAft>
-              <a:buClr>
-                <a:schemeClr val="tx1"/>
-              </a:buClr>
-              <a:buChar char="•"/>
-              <a:defRPr sz="2000">
-                <a:solidFill>
-                  <a:schemeClr val="tx1"/>
-                </a:solidFill>
-                <a:latin typeface="Arial" charset="0"/>
-              </a:defRPr>
-            </a:lvl8pPr>
-            <a:lvl9pPr marL="3886200" indent="-228600" eaLnBrk="0" fontAlgn="base" hangingPunct="0">
-              <a:spcBef>
-                <a:spcPct val="10000"/>
-              </a:spcBef>
-              <a:spcAft>
-                <a:spcPct val="10000"/>
-              </a:spcAft>
-              <a:buClr>
-                <a:schemeClr val="tx1"/>
-              </a:buClr>
-              <a:buChar char="•"/>
-              <a:defRPr sz="2000">
-                <a:solidFill>
-                  <a:schemeClr val="tx1"/>
-                </a:solidFill>
-                <a:latin typeface="Arial" charset="0"/>
-              </a:defRPr>
-            </a:lvl9pPr>
-          </a:lstStyle>
-          <a:p>
-            <a:pPr>
-              <a:spcBef>
-                <a:spcPct val="50000"/>
-              </a:spcBef>
-              <a:spcAft>
-                <a:spcPct val="0"/>
-              </a:spcAft>
-              <a:buClrTx/>
-              <a:buSzTx/>
-              <a:buFontTx/>
-              <a:buNone/>
-            </a:pPr>
-            <a:endParaRPr lang="en-US" altLang="en-US" sz="1800" dirty="0"/>
-          </a:p>
-        </p:txBody>
-      </p:sp>
-      <p:sp>
-        <p:nvSpPr>
-          <p:cNvPr id="51246" name="Oval 137"/>
-          <p:cNvSpPr>
-            <a:spLocks noChangeArrowheads="1"/>
-          </p:cNvSpPr>
-          <p:nvPr/>
-        </p:nvSpPr>
-        <p:spPr bwMode="auto">
-          <a:xfrm>
-            <a:off x="1541463" y="2922588"/>
-            <a:ext cx="142875" cy="142875"/>
-          </a:xfrm>
-          <a:prstGeom prst="ellipse">
-            <a:avLst/>
-          </a:prstGeom>
-          <a:solidFill>
-            <a:schemeClr val="accent1"/>
-          </a:solidFill>
-          <a:ln w="12700" algn="ctr">
-            <a:solidFill>
-              <a:schemeClr val="tx1"/>
-            </a:solidFill>
-            <a:round/>
-            <a:headEnd/>
-            <a:tailEnd/>
-          </a:ln>
-          <a:effectLst/>
-          <a:extLst>
-            <a:ext uri="{AF507438-7753-43E0-B8FC-AC1667EBCBE1}">
-              <a14:hiddenEffects xmlns:a14="http://schemas.microsoft.com/office/drawing/2010/main">
-                <a:effectLst>
-                  <a:outerShdw dist="35921" dir="2700000" algn="ctr" rotWithShape="0">
-                    <a:schemeClr val="bg2"/>
-                  </a:outerShdw>
-                </a:effectLst>
-              </a14:hiddenEffects>
-            </a:ext>
-          </a:extLst>
-        </p:spPr>
-        <p:txBody>
-          <a:bodyPr anchor="ctr">
-            <a:spAutoFit/>
-          </a:bodyPr>
-          <a:lstStyle>
-            <a:lvl1pPr>
-              <a:spcBef>
-                <a:spcPct val="10000"/>
-              </a:spcBef>
-              <a:spcAft>
-                <a:spcPct val="10000"/>
-              </a:spcAft>
-              <a:buClr>
-                <a:srgbClr val="C28500"/>
-              </a:buClr>
-              <a:buSzPct val="125000"/>
-              <a:buFont typeface="Times"/>
-              <a:buChar char="•"/>
-              <a:defRPr sz="2000" b="1">
-                <a:solidFill>
-                  <a:schemeClr val="tx1"/>
-                </a:solidFill>
-                <a:latin typeface="Arial" charset="0"/>
-              </a:defRPr>
-            </a:lvl1pPr>
-            <a:lvl2pPr marL="742950" indent="-285750">
-              <a:spcBef>
-                <a:spcPct val="10000"/>
-              </a:spcBef>
-              <a:spcAft>
-                <a:spcPct val="10000"/>
-              </a:spcAft>
-              <a:buClr>
-                <a:schemeClr val="tx1"/>
-              </a:buClr>
-              <a:buChar char="-"/>
-              <a:defRPr sz="2000">
-                <a:solidFill>
-                  <a:schemeClr val="tx1"/>
-                </a:solidFill>
-                <a:latin typeface="Arial" charset="0"/>
-              </a:defRPr>
-            </a:lvl2pPr>
-            <a:lvl3pPr marL="1143000" indent="-228600">
-              <a:spcBef>
-                <a:spcPct val="10000"/>
-              </a:spcBef>
-              <a:spcAft>
-                <a:spcPct val="10000"/>
-              </a:spcAft>
-              <a:buClr>
-                <a:schemeClr val="tx1"/>
-              </a:buClr>
-              <a:buFont typeface="Times"/>
-              <a:buChar char="-"/>
-              <a:defRPr sz="2000" i="1">
-                <a:solidFill>
-                  <a:schemeClr val="tx1"/>
-                </a:solidFill>
-                <a:latin typeface="Arial" charset="0"/>
-              </a:defRPr>
-            </a:lvl3pPr>
-            <a:lvl4pPr marL="1600200" indent="-228600">
-              <a:spcBef>
-                <a:spcPct val="10000"/>
-              </a:spcBef>
-              <a:spcAft>
-                <a:spcPct val="10000"/>
-              </a:spcAft>
-              <a:buClr>
-                <a:schemeClr val="tx1"/>
-              </a:buClr>
-              <a:buFont typeface="Times"/>
-              <a:buChar char="-"/>
-              <a:defRPr sz="2000">
-                <a:solidFill>
-                  <a:schemeClr val="tx1"/>
-                </a:solidFill>
-                <a:latin typeface="Arial" charset="0"/>
-              </a:defRPr>
-            </a:lvl4pPr>
-            <a:lvl5pPr marL="2057400" indent="-228600">
-              <a:spcBef>
-                <a:spcPct val="10000"/>
-              </a:spcBef>
-              <a:spcAft>
-                <a:spcPct val="10000"/>
-              </a:spcAft>
-              <a:buClr>
-                <a:schemeClr val="tx1"/>
-              </a:buClr>
-              <a:buChar char="•"/>
-              <a:defRPr sz="2000">
-                <a:solidFill>
-                  <a:schemeClr val="tx1"/>
-                </a:solidFill>
-                <a:latin typeface="Arial" charset="0"/>
-              </a:defRPr>
-            </a:lvl5pPr>
-            <a:lvl6pPr marL="2514600" indent="-228600" eaLnBrk="0" fontAlgn="base" hangingPunct="0">
-              <a:spcBef>
-                <a:spcPct val="10000"/>
-              </a:spcBef>
-              <a:spcAft>
-                <a:spcPct val="10000"/>
-              </a:spcAft>
-              <a:buClr>
-                <a:schemeClr val="tx1"/>
-              </a:buClr>
-              <a:buChar char="•"/>
-              <a:defRPr sz="2000">
-                <a:solidFill>
-                  <a:schemeClr val="tx1"/>
-                </a:solidFill>
-                <a:latin typeface="Arial" charset="0"/>
-              </a:defRPr>
-            </a:lvl6pPr>
-            <a:lvl7pPr marL="2971800" indent="-228600" eaLnBrk="0" fontAlgn="base" hangingPunct="0">
-              <a:spcBef>
-                <a:spcPct val="10000"/>
-              </a:spcBef>
-              <a:spcAft>
-                <a:spcPct val="10000"/>
-              </a:spcAft>
-              <a:buClr>
-                <a:schemeClr val="tx1"/>
-              </a:buClr>
-              <a:buChar char="•"/>
-              <a:defRPr sz="2000">
-                <a:solidFill>
-                  <a:schemeClr val="tx1"/>
-                </a:solidFill>
-                <a:latin typeface="Arial" charset="0"/>
-              </a:defRPr>
-            </a:lvl7pPr>
-            <a:lvl8pPr marL="3429000" indent="-228600" eaLnBrk="0" fontAlgn="base" hangingPunct="0">
-              <a:spcBef>
-                <a:spcPct val="10000"/>
-              </a:spcBef>
-              <a:spcAft>
-                <a:spcPct val="10000"/>
-              </a:spcAft>
-              <a:buClr>
-                <a:schemeClr val="tx1"/>
-              </a:buClr>
-              <a:buChar char="•"/>
-              <a:defRPr sz="2000">
-                <a:solidFill>
-                  <a:schemeClr val="tx1"/>
-                </a:solidFill>
-                <a:latin typeface="Arial" charset="0"/>
-              </a:defRPr>
-            </a:lvl8pPr>
-            <a:lvl9pPr marL="3886200" indent="-228600" eaLnBrk="0" fontAlgn="base" hangingPunct="0">
-              <a:spcBef>
-                <a:spcPct val="10000"/>
-              </a:spcBef>
-              <a:spcAft>
-                <a:spcPct val="10000"/>
-              </a:spcAft>
-              <a:buClr>
-                <a:schemeClr val="tx1"/>
-              </a:buClr>
-              <a:buChar char="•"/>
-              <a:defRPr sz="2000">
-                <a:solidFill>
-                  <a:schemeClr val="tx1"/>
-                </a:solidFill>
-                <a:latin typeface="Arial" charset="0"/>
-              </a:defRPr>
-            </a:lvl9pPr>
-          </a:lstStyle>
-          <a:p>
-            <a:pPr>
-              <a:spcBef>
-                <a:spcPct val="50000"/>
-              </a:spcBef>
-              <a:spcAft>
-                <a:spcPct val="0"/>
-              </a:spcAft>
-              <a:buClrTx/>
-              <a:buSzTx/>
-              <a:buFontTx/>
-              <a:buNone/>
-            </a:pPr>
-            <a:endParaRPr lang="en-US" altLang="en-US" sz="1800" dirty="0"/>
-          </a:p>
-        </p:txBody>
-      </p:sp>
-      <p:sp>
-        <p:nvSpPr>
-          <p:cNvPr id="51247" name="Oval 138"/>
-          <p:cNvSpPr>
-            <a:spLocks noChangeArrowheads="1"/>
-          </p:cNvSpPr>
-          <p:nvPr/>
-        </p:nvSpPr>
-        <p:spPr bwMode="auto">
-          <a:xfrm>
-            <a:off x="1581150" y="3584575"/>
-            <a:ext cx="142875" cy="142875"/>
-          </a:xfrm>
-          <a:prstGeom prst="ellipse">
-            <a:avLst/>
-          </a:prstGeom>
-          <a:solidFill>
-            <a:schemeClr val="accent1"/>
-          </a:solidFill>
-          <a:ln w="12700" algn="ctr">
-            <a:solidFill>
-              <a:schemeClr val="tx1"/>
-            </a:solidFill>
-            <a:round/>
-            <a:headEnd/>
-            <a:tailEnd/>
-          </a:ln>
-          <a:effectLst/>
-          <a:extLst>
-            <a:ext uri="{AF507438-7753-43E0-B8FC-AC1667EBCBE1}">
-              <a14:hiddenEffects xmlns:a14="http://schemas.microsoft.com/office/drawing/2010/main">
-                <a:effectLst>
-                  <a:outerShdw dist="35921" dir="2700000" algn="ctr" rotWithShape="0">
-                    <a:schemeClr val="bg2"/>
-                  </a:outerShdw>
-                </a:effectLst>
-              </a14:hiddenEffects>
-            </a:ext>
-          </a:extLst>
-        </p:spPr>
-        <p:txBody>
-          <a:bodyPr anchor="ctr">
-            <a:spAutoFit/>
-          </a:bodyPr>
-          <a:lstStyle>
-            <a:lvl1pPr>
-              <a:spcBef>
-                <a:spcPct val="10000"/>
-              </a:spcBef>
-              <a:spcAft>
-                <a:spcPct val="10000"/>
-              </a:spcAft>
-              <a:buClr>
-                <a:srgbClr val="C28500"/>
-              </a:buClr>
-              <a:buSzPct val="125000"/>
-              <a:buFont typeface="Times"/>
-              <a:buChar char="•"/>
-              <a:defRPr sz="2000" b="1">
-                <a:solidFill>
-                  <a:schemeClr val="tx1"/>
-                </a:solidFill>
-                <a:latin typeface="Arial" charset="0"/>
-              </a:defRPr>
-            </a:lvl1pPr>
-            <a:lvl2pPr marL="742950" indent="-285750">
-              <a:spcBef>
-                <a:spcPct val="10000"/>
-              </a:spcBef>
-              <a:spcAft>
-                <a:spcPct val="10000"/>
-              </a:spcAft>
-              <a:buClr>
-                <a:schemeClr val="tx1"/>
-              </a:buClr>
-              <a:buChar char="-"/>
-              <a:defRPr sz="2000">
-                <a:solidFill>
-                  <a:schemeClr val="tx1"/>
-                </a:solidFill>
-                <a:latin typeface="Arial" charset="0"/>
-              </a:defRPr>
-            </a:lvl2pPr>
-            <a:lvl3pPr marL="1143000" indent="-228600">
-              <a:spcBef>
-                <a:spcPct val="10000"/>
-              </a:spcBef>
-              <a:spcAft>
-                <a:spcPct val="10000"/>
-              </a:spcAft>
-              <a:buClr>
-                <a:schemeClr val="tx1"/>
-              </a:buClr>
-              <a:buFont typeface="Times"/>
-              <a:buChar char="-"/>
-              <a:defRPr sz="2000" i="1">
-                <a:solidFill>
-                  <a:schemeClr val="tx1"/>
-                </a:solidFill>
-                <a:latin typeface="Arial" charset="0"/>
-              </a:defRPr>
-            </a:lvl3pPr>
-            <a:lvl4pPr marL="1600200" indent="-228600">
-              <a:spcBef>
-                <a:spcPct val="10000"/>
-              </a:spcBef>
-              <a:spcAft>
-                <a:spcPct val="10000"/>
-              </a:spcAft>
-              <a:buClr>
-                <a:schemeClr val="tx1"/>
-              </a:buClr>
-              <a:buFont typeface="Times"/>
-              <a:buChar char="-"/>
-              <a:defRPr sz="2000">
-                <a:solidFill>
-                  <a:schemeClr val="tx1"/>
-                </a:solidFill>
-                <a:latin typeface="Arial" charset="0"/>
-              </a:defRPr>
-            </a:lvl4pPr>
-            <a:lvl5pPr marL="2057400" indent="-228600">
-              <a:spcBef>
-                <a:spcPct val="10000"/>
-              </a:spcBef>
-              <a:spcAft>
-                <a:spcPct val="10000"/>
-              </a:spcAft>
-              <a:buClr>
-                <a:schemeClr val="tx1"/>
-              </a:buClr>
-              <a:buChar char="•"/>
-              <a:defRPr sz="2000">
-                <a:solidFill>
-                  <a:schemeClr val="tx1"/>
-                </a:solidFill>
-                <a:latin typeface="Arial" charset="0"/>
-              </a:defRPr>
-            </a:lvl5pPr>
-            <a:lvl6pPr marL="2514600" indent="-228600" eaLnBrk="0" fontAlgn="base" hangingPunct="0">
-              <a:spcBef>
-                <a:spcPct val="10000"/>
-              </a:spcBef>
-              <a:spcAft>
-                <a:spcPct val="10000"/>
-              </a:spcAft>
-              <a:buClr>
-                <a:schemeClr val="tx1"/>
-              </a:buClr>
-              <a:buChar char="•"/>
-              <a:defRPr sz="2000">
-                <a:solidFill>
-                  <a:schemeClr val="tx1"/>
-                </a:solidFill>
-                <a:latin typeface="Arial" charset="0"/>
-              </a:defRPr>
-            </a:lvl6pPr>
-            <a:lvl7pPr marL="2971800" indent="-228600" eaLnBrk="0" fontAlgn="base" hangingPunct="0">
-              <a:spcBef>
-                <a:spcPct val="10000"/>
-              </a:spcBef>
-              <a:spcAft>
-                <a:spcPct val="10000"/>
-              </a:spcAft>
-              <a:buClr>
-                <a:schemeClr val="tx1"/>
-              </a:buClr>
-              <a:buChar char="•"/>
-              <a:defRPr sz="2000">
-                <a:solidFill>
-                  <a:schemeClr val="tx1"/>
-                </a:solidFill>
-                <a:latin typeface="Arial" charset="0"/>
-              </a:defRPr>
-            </a:lvl7pPr>
-            <a:lvl8pPr marL="3429000" indent="-228600" eaLnBrk="0" fontAlgn="base" hangingPunct="0">
-              <a:spcBef>
-                <a:spcPct val="10000"/>
-              </a:spcBef>
-              <a:spcAft>
-                <a:spcPct val="10000"/>
-              </a:spcAft>
-              <a:buClr>
-                <a:schemeClr val="tx1"/>
-              </a:buClr>
-              <a:buChar char="•"/>
-              <a:defRPr sz="2000">
-                <a:solidFill>
-                  <a:schemeClr val="tx1"/>
-                </a:solidFill>
-                <a:latin typeface="Arial" charset="0"/>
-              </a:defRPr>
-            </a:lvl8pPr>
-            <a:lvl9pPr marL="3886200" indent="-228600" eaLnBrk="0" fontAlgn="base" hangingPunct="0">
-              <a:spcBef>
-                <a:spcPct val="10000"/>
-              </a:spcBef>
-              <a:spcAft>
-                <a:spcPct val="10000"/>
-              </a:spcAft>
-              <a:buClr>
-                <a:schemeClr val="tx1"/>
-              </a:buClr>
-              <a:buChar char="•"/>
-              <a:defRPr sz="2000">
-                <a:solidFill>
-                  <a:schemeClr val="tx1"/>
-                </a:solidFill>
-                <a:latin typeface="Arial" charset="0"/>
-              </a:defRPr>
-            </a:lvl9pPr>
-          </a:lstStyle>
-          <a:p>
-            <a:pPr>
-              <a:spcBef>
-                <a:spcPct val="50000"/>
-              </a:spcBef>
-              <a:spcAft>
-                <a:spcPct val="0"/>
-              </a:spcAft>
-              <a:buClrTx/>
-              <a:buSzTx/>
-              <a:buFontTx/>
-              <a:buNone/>
-            </a:pPr>
-            <a:endParaRPr lang="en-US" altLang="en-US" sz="1800" dirty="0"/>
-          </a:p>
-        </p:txBody>
-      </p:sp>
       <p:cxnSp>
         <p:nvCxnSpPr>
-          <p:cNvPr id="51248" name="AutoShape 139"/>
+          <p:cNvPr id="51249" name="AutoShape 140"/>
           <p:cNvCxnSpPr>
             <a:cxnSpLocks noChangeShapeType="1"/>
-            <a:stCxn id="51210" idx="3"/>
-            <a:endCxn id="51246" idx="2"/>
+            <a:stCxn id="51211" idx="3"/>
+            <a:endCxn id="51214" idx="0"/>
           </p:cNvCxnSpPr>
           <p:nvPr/>
         </p:nvCxnSpPr>
         <p:spPr bwMode="auto">
           <a:xfrm>
-            <a:off x="965200" y="2978150"/>
-            <a:ext cx="576263" cy="15875"/>
+            <a:off x="810367" y="2161206"/>
+            <a:ext cx="1451821" cy="1174925"/>
           </a:xfrm>
           <a:prstGeom prst="straightConnector1">
             <a:avLst/>
@@ -35689,54 +33402,9 @@
             <a:solidFill>
               <a:schemeClr val="tx1"/>
             </a:solidFill>
+            <a:prstDash val="dash"/>
             <a:round/>
-            <a:headEnd/>
-            <a:tailEnd type="triangle" w="med" len="med"/>
-          </a:ln>
-          <a:effectLst/>
-          <a:extLst>
-            <a:ext uri="{909E8E84-426E-40DD-AFC4-6F175D3DCCD1}">
-              <a14:hiddenFill xmlns:a14="http://schemas.microsoft.com/office/drawing/2010/main">
-                <a:noFill/>
-              </a14:hiddenFill>
-            </a:ext>
-            <a:ext uri="{AF507438-7753-43E0-B8FC-AC1667EBCBE1}">
-              <a14:hiddenEffects xmlns:a14="http://schemas.microsoft.com/office/drawing/2010/main">
-                <a:effectLst>
-                  <a:outerShdw dist="35921" dir="2700000" algn="ctr" rotWithShape="0">
-                    <a:schemeClr val="bg2"/>
-                  </a:outerShdw>
-                </a:effectLst>
-              </a14:hiddenEffects>
-            </a:ext>
-          </a:extLst>
-        </p:spPr>
-      </p:cxnSp>
-      <p:cxnSp>
-        <p:nvCxnSpPr>
-          <p:cNvPr id="51249" name="AutoShape 140"/>
-          <p:cNvCxnSpPr>
-            <a:cxnSpLocks noChangeShapeType="1"/>
-            <a:stCxn id="51211" idx="3"/>
-            <a:endCxn id="51247" idx="2"/>
-          </p:cNvCxnSpPr>
-          <p:nvPr/>
-        </p:nvCxnSpPr>
-        <p:spPr bwMode="auto">
-          <a:xfrm>
-            <a:off x="965200" y="3654425"/>
-            <a:ext cx="615950" cy="1588"/>
-          </a:xfrm>
-          <a:prstGeom prst="straightConnector1">
-            <a:avLst/>
-          </a:prstGeom>
-          <a:noFill/>
-          <a:ln w="12700">
-            <a:solidFill>
-              <a:schemeClr val="tx1"/>
-            </a:solidFill>
-            <a:round/>
-            <a:headEnd/>
+            <a:headEnd type="none"/>
             <a:tailEnd type="triangle" w="med" len="med"/>
           </a:ln>
           <a:effectLst/>
@@ -35771,7 +33439,7 @@
         <p:spPr bwMode="auto">
           <a:xfrm>
             <a:off x="3775075" y="1797050"/>
-            <a:ext cx="12700" cy="609600"/>
+            <a:ext cx="0" cy="220802"/>
           </a:xfrm>
           <a:prstGeom prst="straightConnector1">
             <a:avLst/>
@@ -35816,8 +33484,8 @@
         </p:nvCxnSpPr>
         <p:spPr bwMode="auto">
           <a:xfrm flipH="1">
-            <a:off x="4721225" y="1782763"/>
-            <a:ext cx="46038" cy="619125"/>
+            <a:off x="4767262" y="1782763"/>
+            <a:ext cx="1" cy="215049"/>
           </a:xfrm>
           <a:prstGeom prst="straightConnector1">
             <a:avLst/>
@@ -35856,60 +33524,14 @@
           <p:cNvCxnSpPr>
             <a:cxnSpLocks noChangeShapeType="1"/>
             <a:stCxn id="51212" idx="6"/>
-            <a:endCxn id="51244" idx="2"/>
-          </p:cNvCxnSpPr>
-          <p:nvPr/>
-        </p:nvCxnSpPr>
-        <p:spPr bwMode="auto">
-          <a:xfrm>
-            <a:off x="4503738" y="3429000"/>
-            <a:ext cx="673100" cy="4763"/>
-          </a:xfrm>
-          <a:prstGeom prst="straightConnector1">
-            <a:avLst/>
-          </a:prstGeom>
-          <a:noFill/>
-          <a:ln w="12700">
-            <a:solidFill>
-              <a:schemeClr val="tx1"/>
-            </a:solidFill>
-            <a:round/>
-            <a:headEnd/>
-            <a:tailEnd type="triangle" w="med" len="med"/>
-          </a:ln>
-          <a:effectLst/>
-          <a:extLst>
-            <a:ext uri="{909E8E84-426E-40DD-AFC4-6F175D3DCCD1}">
-              <a14:hiddenFill xmlns:a14="http://schemas.microsoft.com/office/drawing/2010/main">
-                <a:noFill/>
-              </a14:hiddenFill>
-            </a:ext>
-            <a:ext uri="{AF507438-7753-43E0-B8FC-AC1667EBCBE1}">
-              <a14:hiddenEffects xmlns:a14="http://schemas.microsoft.com/office/drawing/2010/main">
-                <a:effectLst>
-                  <a:outerShdw dist="35921" dir="2700000" algn="ctr" rotWithShape="0">
-                    <a:schemeClr val="bg2"/>
-                  </a:outerShdw>
-                </a:effectLst>
-              </a14:hiddenEffects>
-            </a:ext>
-          </a:extLst>
-        </p:spPr>
-      </p:cxnSp>
-      <p:cxnSp>
-        <p:nvCxnSpPr>
-          <p:cNvPr id="51253" name="AutoShape 144"/>
-          <p:cNvCxnSpPr>
-            <a:cxnSpLocks noChangeShapeType="1"/>
-            <a:stCxn id="51220" idx="6"/>
-            <a:endCxn id="51242" idx="2"/>
+            <a:endCxn id="51227" idx="1"/>
           </p:cNvCxnSpPr>
           <p:nvPr/>
         </p:nvCxnSpPr>
         <p:spPr bwMode="auto">
           <a:xfrm flipV="1">
-            <a:off x="4465638" y="4208463"/>
-            <a:ext cx="766762" cy="20637"/>
+            <a:off x="4500906" y="3397271"/>
+            <a:ext cx="632725" cy="8710"/>
           </a:xfrm>
           <a:prstGeom prst="straightConnector1">
             <a:avLst/>
@@ -35953,9 +33575,9 @@
           <p:nvPr/>
         </p:nvCxnSpPr>
         <p:spPr bwMode="auto">
-          <a:xfrm flipV="1">
-            <a:off x="6878638" y="3840163"/>
-            <a:ext cx="319087" cy="1587"/>
+          <a:xfrm>
+            <a:off x="5908331" y="3397271"/>
+            <a:ext cx="335993" cy="0"/>
           </a:xfrm>
           <a:prstGeom prst="straightConnector1">
             <a:avLst/>
@@ -36017,6 +33639,1147 @@
           </a:p>
         </p:txBody>
       </p:sp>
+      <p:cxnSp>
+        <p:nvCxnSpPr>
+          <p:cNvPr id="74" name="AutoShape 48"/>
+          <p:cNvCxnSpPr>
+            <a:cxnSpLocks noChangeShapeType="1"/>
+            <a:stCxn id="93" idx="0"/>
+            <a:endCxn id="51214" idx="3"/>
+          </p:cNvCxnSpPr>
+          <p:nvPr/>
+        </p:nvCxnSpPr>
+        <p:spPr bwMode="auto">
+          <a:xfrm flipV="1">
+            <a:off x="1657208" y="3458082"/>
+            <a:ext cx="554466" cy="1091886"/>
+          </a:xfrm>
+          <a:prstGeom prst="straightConnector1">
+            <a:avLst/>
+          </a:prstGeom>
+          <a:noFill/>
+          <a:ln w="12700">
+            <a:solidFill>
+              <a:schemeClr val="tx1"/>
+            </a:solidFill>
+            <a:prstDash val="dash"/>
+            <a:round/>
+            <a:headEnd type="none" w="med" len="med"/>
+            <a:tailEnd type="triangle" w="med" len="med"/>
+          </a:ln>
+          <a:effectLst/>
+          <a:extLst>
+            <a:ext uri="{909E8E84-426E-40DD-AFC4-6F175D3DCCD1}">
+              <a14:hiddenFill xmlns:a14="http://schemas.microsoft.com/office/drawing/2010/main">
+                <a:noFill/>
+              </a14:hiddenFill>
+            </a:ext>
+            <a:ext uri="{AF507438-7753-43E0-B8FC-AC1667EBCBE1}">
+              <a14:hiddenEffects xmlns:a14="http://schemas.microsoft.com/office/drawing/2010/main">
+                <a:effectLst>
+                  <a:outerShdw dist="35921" dir="2700000" algn="ctr" rotWithShape="0">
+                    <a:schemeClr val="bg2"/>
+                  </a:outerShdw>
+                </a:effectLst>
+              </a14:hiddenEffects>
+            </a:ext>
+          </a:extLst>
+        </p:spPr>
+      </p:cxnSp>
+      <p:sp>
+        <p:nvSpPr>
+          <p:cNvPr id="24" name="Rectangle 23"/>
+          <p:cNvSpPr/>
+          <p:nvPr/>
+        </p:nvSpPr>
+        <p:spPr>
+          <a:xfrm>
+            <a:off x="1039232" y="3150940"/>
+            <a:ext cx="862929" cy="276999"/>
+          </a:xfrm>
+          <a:prstGeom prst="rect">
+            <a:avLst/>
+          </a:prstGeom>
+        </p:spPr>
+        <p:txBody>
+          <a:bodyPr wrap="none">
+            <a:spAutoFit/>
+          </a:bodyPr>
+          <a:lstStyle/>
+          <a:p>
+            <a:pPr lvl="0"/>
+            <a:r>
+              <a:rPr lang="en-US" altLang="en-US" sz="1200" dirty="0">
+                <a:solidFill>
+                  <a:srgbClr val="404040"/>
+                </a:solidFill>
+              </a:rPr>
+              <a:t>UEIP = Yes </a:t>
+            </a:r>
+          </a:p>
+        </p:txBody>
+      </p:sp>
+      <p:sp>
+        <p:nvSpPr>
+          <p:cNvPr id="25" name="Rectangle 24"/>
+          <p:cNvSpPr/>
+          <p:nvPr/>
+        </p:nvSpPr>
+        <p:spPr>
+          <a:xfrm rot="2329195">
+            <a:off x="1009044" y="2431737"/>
+            <a:ext cx="1254089" cy="276999"/>
+          </a:xfrm>
+          <a:prstGeom prst="rect">
+            <a:avLst/>
+          </a:prstGeom>
+        </p:spPr>
+        <p:txBody>
+          <a:bodyPr wrap="square">
+            <a:spAutoFit/>
+          </a:bodyPr>
+          <a:lstStyle/>
+          <a:p>
+            <a:r>
+              <a:rPr lang="en-US" altLang="en-US" sz="1200" dirty="0"/>
+              <a:t>UEIP </a:t>
+            </a:r>
+            <a:r>
+              <a:rPr lang="en-US" altLang="en-US" sz="1200" dirty="0" smtClean="0"/>
+              <a:t>= URIP = No</a:t>
+            </a:r>
+            <a:endParaRPr lang="en-US" sz="1200" dirty="0"/>
+          </a:p>
+        </p:txBody>
+      </p:sp>
+      <p:sp>
+        <p:nvSpPr>
+          <p:cNvPr id="100" name="Rectangle 99"/>
+          <p:cNvSpPr/>
+          <p:nvPr/>
+        </p:nvSpPr>
+        <p:spPr>
+          <a:xfrm rot="17669196">
+            <a:off x="1340317" y="3833037"/>
+            <a:ext cx="870944" cy="276999"/>
+          </a:xfrm>
+          <a:prstGeom prst="rect">
+            <a:avLst/>
+          </a:prstGeom>
+        </p:spPr>
+        <p:txBody>
+          <a:bodyPr wrap="none">
+            <a:spAutoFit/>
+          </a:bodyPr>
+          <a:lstStyle/>
+          <a:p>
+            <a:pPr lvl="0"/>
+            <a:r>
+              <a:rPr lang="en-US" altLang="en-US" sz="1200" dirty="0" smtClean="0">
+                <a:solidFill>
+                  <a:srgbClr val="404040"/>
+                </a:solidFill>
+              </a:rPr>
+              <a:t>URIP </a:t>
+            </a:r>
+            <a:r>
+              <a:rPr lang="en-US" altLang="en-US" sz="1200" dirty="0">
+                <a:solidFill>
+                  <a:srgbClr val="404040"/>
+                </a:solidFill>
+              </a:rPr>
+              <a:t>= Yes </a:t>
+            </a:r>
+          </a:p>
+        </p:txBody>
+      </p:sp>
+      <p:cxnSp>
+        <p:nvCxnSpPr>
+          <p:cNvPr id="113" name="AutoShape 99"/>
+          <p:cNvCxnSpPr>
+            <a:cxnSpLocks noChangeShapeType="1"/>
+            <a:stCxn id="51243" idx="4"/>
+            <a:endCxn id="51229" idx="1"/>
+          </p:cNvCxnSpPr>
+          <p:nvPr/>
+        </p:nvCxnSpPr>
+        <p:spPr bwMode="auto">
+          <a:xfrm>
+            <a:off x="3775075" y="2148027"/>
+            <a:ext cx="426979" cy="579319"/>
+          </a:xfrm>
+          <a:prstGeom prst="straightConnector1">
+            <a:avLst/>
+          </a:prstGeom>
+          <a:noFill/>
+          <a:ln w="12700">
+            <a:solidFill>
+              <a:schemeClr val="tx1"/>
+            </a:solidFill>
+            <a:prstDash val="dash"/>
+            <a:round/>
+            <a:headEnd type="none" w="med" len="med"/>
+            <a:tailEnd type="triangle" w="med" len="med"/>
+          </a:ln>
+          <a:effectLst/>
+          <a:extLst>
+            <a:ext uri="{909E8E84-426E-40DD-AFC4-6F175D3DCCD1}">
+              <a14:hiddenFill xmlns:a14="http://schemas.microsoft.com/office/drawing/2010/main">
+                <a:noFill/>
+              </a14:hiddenFill>
+            </a:ext>
+            <a:ext uri="{AF507438-7753-43E0-B8FC-AC1667EBCBE1}">
+              <a14:hiddenEffects xmlns:a14="http://schemas.microsoft.com/office/drawing/2010/main">
+                <a:effectLst>
+                  <a:outerShdw dist="35921" dir="2700000" algn="ctr" rotWithShape="0">
+                    <a:schemeClr val="bg2"/>
+                  </a:outerShdw>
+                </a:effectLst>
+              </a14:hiddenEffects>
+            </a:ext>
+          </a:extLst>
+        </p:spPr>
+      </p:cxnSp>
+      <p:sp>
+        <p:nvSpPr>
+          <p:cNvPr id="95" name="Rectangle 94"/>
+          <p:cNvSpPr/>
+          <p:nvPr/>
+        </p:nvSpPr>
+        <p:spPr>
+          <a:xfrm>
+            <a:off x="4545835" y="2338757"/>
+            <a:ext cx="862929" cy="276999"/>
+          </a:xfrm>
+          <a:prstGeom prst="rect">
+            <a:avLst/>
+          </a:prstGeom>
+        </p:spPr>
+        <p:txBody>
+          <a:bodyPr wrap="none">
+            <a:spAutoFit/>
+          </a:bodyPr>
+          <a:lstStyle/>
+          <a:p>
+            <a:pPr lvl="0"/>
+            <a:r>
+              <a:rPr lang="en-US" altLang="en-US" sz="1200" dirty="0">
+                <a:solidFill>
+                  <a:srgbClr val="404040"/>
+                </a:solidFill>
+              </a:rPr>
+              <a:t>UEIP = Yes </a:t>
+            </a:r>
+          </a:p>
+        </p:txBody>
+      </p:sp>
+      <p:sp>
+        <p:nvSpPr>
+          <p:cNvPr id="96" name="Rectangle 95"/>
+          <p:cNvSpPr/>
+          <p:nvPr/>
+        </p:nvSpPr>
+        <p:spPr>
+          <a:xfrm>
+            <a:off x="2326585" y="2268171"/>
+            <a:ext cx="1550874" cy="461665"/>
+          </a:xfrm>
+          <a:prstGeom prst="rect">
+            <a:avLst/>
+          </a:prstGeom>
+        </p:spPr>
+        <p:txBody>
+          <a:bodyPr wrap="none">
+            <a:spAutoFit/>
+          </a:bodyPr>
+          <a:lstStyle/>
+          <a:p>
+            <a:pPr lvl="0"/>
+            <a:r>
+              <a:rPr lang="en-US" altLang="en-US" sz="1200" dirty="0">
+                <a:solidFill>
+                  <a:srgbClr val="404040"/>
+                </a:solidFill>
+              </a:rPr>
+              <a:t>UEIP </a:t>
+            </a:r>
+            <a:r>
+              <a:rPr lang="en-US" altLang="en-US" sz="1200" dirty="0" smtClean="0">
+                <a:solidFill>
+                  <a:srgbClr val="404040"/>
+                </a:solidFill>
+              </a:rPr>
+              <a:t>= URIP = No, OR,</a:t>
+            </a:r>
+          </a:p>
+          <a:p>
+            <a:pPr lvl="0"/>
+            <a:r>
+              <a:rPr lang="en-US" altLang="en-US" sz="1200" dirty="0" smtClean="0">
+                <a:solidFill>
+                  <a:srgbClr val="404040"/>
+                </a:solidFill>
+              </a:rPr>
+              <a:t>URIP = Yes </a:t>
+            </a:r>
+            <a:endParaRPr lang="en-US" altLang="en-US" sz="1200" dirty="0">
+              <a:solidFill>
+                <a:srgbClr val="404040"/>
+              </a:solidFill>
+            </a:endParaRPr>
+          </a:p>
+        </p:txBody>
+      </p:sp>
+      <p:sp>
+        <p:nvSpPr>
+          <p:cNvPr id="76" name="Oval 5"/>
+          <p:cNvSpPr>
+            <a:spLocks noChangeArrowheads="1"/>
+          </p:cNvSpPr>
+          <p:nvPr/>
+        </p:nvSpPr>
+        <p:spPr bwMode="auto">
+          <a:xfrm>
+            <a:off x="7163681" y="3148714"/>
+            <a:ext cx="632725" cy="519351"/>
+          </a:xfrm>
+          <a:prstGeom prst="ellipse">
+            <a:avLst/>
+          </a:prstGeom>
+          <a:noFill/>
+          <a:ln w="12700" algn="ctr">
+            <a:solidFill>
+              <a:schemeClr val="tx1"/>
+            </a:solidFill>
+            <a:round/>
+            <a:headEnd/>
+            <a:tailEnd/>
+          </a:ln>
+          <a:effectLst/>
+          <a:extLst>
+            <a:ext uri="{909E8E84-426E-40DD-AFC4-6F175D3DCCD1}">
+              <a14:hiddenFill xmlns:a14="http://schemas.microsoft.com/office/drawing/2010/main">
+                <a:solidFill>
+                  <a:schemeClr val="accent1"/>
+                </a:solidFill>
+              </a14:hiddenFill>
+            </a:ext>
+            <a:ext uri="{AF507438-7753-43E0-B8FC-AC1667EBCBE1}">
+              <a14:hiddenEffects xmlns:a14="http://schemas.microsoft.com/office/drawing/2010/main">
+                <a:effectLst>
+                  <a:outerShdw dist="35921" dir="2700000" algn="ctr" rotWithShape="0">
+                    <a:schemeClr val="bg2"/>
+                  </a:outerShdw>
+                </a:effectLst>
+              </a14:hiddenEffects>
+            </a:ext>
+          </a:extLst>
+        </p:spPr>
+        <p:txBody>
+          <a:bodyPr wrap="square" anchor="ctr">
+            <a:spAutoFit/>
+          </a:bodyPr>
+          <a:lstStyle>
+            <a:lvl1pPr>
+              <a:spcBef>
+                <a:spcPct val="10000"/>
+              </a:spcBef>
+              <a:spcAft>
+                <a:spcPct val="10000"/>
+              </a:spcAft>
+              <a:buClr>
+                <a:srgbClr val="C28500"/>
+              </a:buClr>
+              <a:buSzPct val="125000"/>
+              <a:buFont typeface="Times"/>
+              <a:buChar char="•"/>
+              <a:defRPr sz="2000" b="1">
+                <a:solidFill>
+                  <a:schemeClr val="tx1"/>
+                </a:solidFill>
+                <a:latin typeface="Arial" charset="0"/>
+              </a:defRPr>
+            </a:lvl1pPr>
+            <a:lvl2pPr marL="742950" indent="-285750">
+              <a:spcBef>
+                <a:spcPct val="10000"/>
+              </a:spcBef>
+              <a:spcAft>
+                <a:spcPct val="10000"/>
+              </a:spcAft>
+              <a:buClr>
+                <a:schemeClr val="tx1"/>
+              </a:buClr>
+              <a:buChar char="-"/>
+              <a:defRPr sz="2000">
+                <a:solidFill>
+                  <a:schemeClr val="tx1"/>
+                </a:solidFill>
+                <a:latin typeface="Arial" charset="0"/>
+              </a:defRPr>
+            </a:lvl2pPr>
+            <a:lvl3pPr marL="1143000" indent="-228600">
+              <a:spcBef>
+                <a:spcPct val="10000"/>
+              </a:spcBef>
+              <a:spcAft>
+                <a:spcPct val="10000"/>
+              </a:spcAft>
+              <a:buClr>
+                <a:schemeClr val="tx1"/>
+              </a:buClr>
+              <a:buFont typeface="Times"/>
+              <a:buChar char="-"/>
+              <a:defRPr sz="2000" i="1">
+                <a:solidFill>
+                  <a:schemeClr val="tx1"/>
+                </a:solidFill>
+                <a:latin typeface="Arial" charset="0"/>
+              </a:defRPr>
+            </a:lvl3pPr>
+            <a:lvl4pPr marL="1600200" indent="-228600">
+              <a:spcBef>
+                <a:spcPct val="10000"/>
+              </a:spcBef>
+              <a:spcAft>
+                <a:spcPct val="10000"/>
+              </a:spcAft>
+              <a:buClr>
+                <a:schemeClr val="tx1"/>
+              </a:buClr>
+              <a:buFont typeface="Times"/>
+              <a:buChar char="-"/>
+              <a:defRPr sz="2000">
+                <a:solidFill>
+                  <a:schemeClr val="tx1"/>
+                </a:solidFill>
+                <a:latin typeface="Arial" charset="0"/>
+              </a:defRPr>
+            </a:lvl4pPr>
+            <a:lvl5pPr marL="2057400" indent="-228600">
+              <a:spcBef>
+                <a:spcPct val="10000"/>
+              </a:spcBef>
+              <a:spcAft>
+                <a:spcPct val="10000"/>
+              </a:spcAft>
+              <a:buClr>
+                <a:schemeClr val="tx1"/>
+              </a:buClr>
+              <a:buChar char="•"/>
+              <a:defRPr sz="2000">
+                <a:solidFill>
+                  <a:schemeClr val="tx1"/>
+                </a:solidFill>
+                <a:latin typeface="Arial" charset="0"/>
+              </a:defRPr>
+            </a:lvl5pPr>
+            <a:lvl6pPr marL="2514600" indent="-228600" eaLnBrk="0" fontAlgn="base" hangingPunct="0">
+              <a:spcBef>
+                <a:spcPct val="10000"/>
+              </a:spcBef>
+              <a:spcAft>
+                <a:spcPct val="10000"/>
+              </a:spcAft>
+              <a:buClr>
+                <a:schemeClr val="tx1"/>
+              </a:buClr>
+              <a:buChar char="•"/>
+              <a:defRPr sz="2000">
+                <a:solidFill>
+                  <a:schemeClr val="tx1"/>
+                </a:solidFill>
+                <a:latin typeface="Arial" charset="0"/>
+              </a:defRPr>
+            </a:lvl6pPr>
+            <a:lvl7pPr marL="2971800" indent="-228600" eaLnBrk="0" fontAlgn="base" hangingPunct="0">
+              <a:spcBef>
+                <a:spcPct val="10000"/>
+              </a:spcBef>
+              <a:spcAft>
+                <a:spcPct val="10000"/>
+              </a:spcAft>
+              <a:buClr>
+                <a:schemeClr val="tx1"/>
+              </a:buClr>
+              <a:buChar char="•"/>
+              <a:defRPr sz="2000">
+                <a:solidFill>
+                  <a:schemeClr val="tx1"/>
+                </a:solidFill>
+                <a:latin typeface="Arial" charset="0"/>
+              </a:defRPr>
+            </a:lvl7pPr>
+            <a:lvl8pPr marL="3429000" indent="-228600" eaLnBrk="0" fontAlgn="base" hangingPunct="0">
+              <a:spcBef>
+                <a:spcPct val="10000"/>
+              </a:spcBef>
+              <a:spcAft>
+                <a:spcPct val="10000"/>
+              </a:spcAft>
+              <a:buClr>
+                <a:schemeClr val="tx1"/>
+              </a:buClr>
+              <a:buChar char="•"/>
+              <a:defRPr sz="2000">
+                <a:solidFill>
+                  <a:schemeClr val="tx1"/>
+                </a:solidFill>
+                <a:latin typeface="Arial" charset="0"/>
+              </a:defRPr>
+            </a:lvl8pPr>
+            <a:lvl9pPr marL="3886200" indent="-228600" eaLnBrk="0" fontAlgn="base" hangingPunct="0">
+              <a:spcBef>
+                <a:spcPct val="10000"/>
+              </a:spcBef>
+              <a:spcAft>
+                <a:spcPct val="10000"/>
+              </a:spcAft>
+              <a:buClr>
+                <a:schemeClr val="tx1"/>
+              </a:buClr>
+              <a:buChar char="•"/>
+              <a:defRPr sz="2000">
+                <a:solidFill>
+                  <a:schemeClr val="tx1"/>
+                </a:solidFill>
+                <a:latin typeface="Arial" charset="0"/>
+              </a:defRPr>
+            </a:lvl9pPr>
+          </a:lstStyle>
+          <a:p>
+            <a:pPr algn="ctr">
+              <a:spcBef>
+                <a:spcPct val="50000"/>
+              </a:spcBef>
+              <a:spcAft>
+                <a:spcPct val="0"/>
+              </a:spcAft>
+              <a:buClrTx/>
+              <a:buSzTx/>
+              <a:buFontTx/>
+              <a:buNone/>
+            </a:pPr>
+            <a:r>
+              <a:rPr lang="en-US" altLang="en-US" sz="1800" dirty="0" smtClean="0"/>
+              <a:t>+</a:t>
+            </a:r>
+            <a:endParaRPr lang="en-US" altLang="en-US" sz="1800" dirty="0"/>
+          </a:p>
+        </p:txBody>
+      </p:sp>
+      <p:cxnSp>
+        <p:nvCxnSpPr>
+          <p:cNvPr id="83" name="AutoShape 100"/>
+          <p:cNvCxnSpPr>
+            <a:cxnSpLocks noChangeShapeType="1"/>
+            <a:stCxn id="76" idx="6"/>
+          </p:cNvCxnSpPr>
+          <p:nvPr/>
+        </p:nvCxnSpPr>
+        <p:spPr bwMode="auto">
+          <a:xfrm>
+            <a:off x="7796406" y="3408390"/>
+            <a:ext cx="302443" cy="3987"/>
+          </a:xfrm>
+          <a:prstGeom prst="straightConnector1">
+            <a:avLst/>
+          </a:prstGeom>
+          <a:noFill/>
+          <a:ln w="12700">
+            <a:solidFill>
+              <a:schemeClr val="tx1"/>
+            </a:solidFill>
+            <a:round/>
+            <a:headEnd/>
+            <a:tailEnd type="triangle" w="med" len="med"/>
+          </a:ln>
+          <a:effectLst/>
+          <a:extLst>
+            <a:ext uri="{909E8E84-426E-40DD-AFC4-6F175D3DCCD1}">
+              <a14:hiddenFill xmlns:a14="http://schemas.microsoft.com/office/drawing/2010/main">
+                <a:noFill/>
+              </a14:hiddenFill>
+            </a:ext>
+            <a:ext uri="{AF507438-7753-43E0-B8FC-AC1667EBCBE1}">
+              <a14:hiddenEffects xmlns:a14="http://schemas.microsoft.com/office/drawing/2010/main">
+                <a:effectLst>
+                  <a:outerShdw dist="35921" dir="2700000" algn="ctr" rotWithShape="0">
+                    <a:schemeClr val="bg2"/>
+                  </a:outerShdw>
+                </a:effectLst>
+              </a14:hiddenEffects>
+            </a:ext>
+          </a:extLst>
+        </p:spPr>
+      </p:cxnSp>
+      <p:sp>
+        <p:nvSpPr>
+          <p:cNvPr id="86" name="Rectangle 58"/>
+          <p:cNvSpPr>
+            <a:spLocks noChangeArrowheads="1"/>
+          </p:cNvSpPr>
+          <p:nvPr/>
+        </p:nvSpPr>
+        <p:spPr bwMode="auto">
+          <a:xfrm>
+            <a:off x="1225719" y="5899439"/>
+            <a:ext cx="820738" cy="338554"/>
+          </a:xfrm>
+          <a:prstGeom prst="rect">
+            <a:avLst/>
+          </a:prstGeom>
+          <a:noFill/>
+          <a:ln w="12700" algn="ctr">
+            <a:solidFill>
+              <a:schemeClr val="tx1"/>
+            </a:solidFill>
+            <a:miter lim="800000"/>
+            <a:headEnd/>
+            <a:tailEnd/>
+          </a:ln>
+          <a:effectLst/>
+          <a:extLst>
+            <a:ext uri="{909E8E84-426E-40DD-AFC4-6F175D3DCCD1}">
+              <a14:hiddenFill xmlns:a14="http://schemas.microsoft.com/office/drawing/2010/main">
+                <a:solidFill>
+                  <a:schemeClr val="accent1"/>
+                </a:solidFill>
+              </a14:hiddenFill>
+            </a:ext>
+            <a:ext uri="{AF507438-7753-43E0-B8FC-AC1667EBCBE1}">
+              <a14:hiddenEffects xmlns:a14="http://schemas.microsoft.com/office/drawing/2010/main">
+                <a:effectLst>
+                  <a:outerShdw dist="35921" dir="2700000" algn="ctr" rotWithShape="0">
+                    <a:schemeClr val="bg2"/>
+                  </a:outerShdw>
+                </a:effectLst>
+              </a14:hiddenEffects>
+            </a:ext>
+          </a:extLst>
+        </p:spPr>
+        <p:txBody>
+          <a:bodyPr anchor="ctr">
+            <a:spAutoFit/>
+          </a:bodyPr>
+          <a:lstStyle>
+            <a:lvl1pPr>
+              <a:spcBef>
+                <a:spcPct val="10000"/>
+              </a:spcBef>
+              <a:spcAft>
+                <a:spcPct val="10000"/>
+              </a:spcAft>
+              <a:buClr>
+                <a:srgbClr val="C28500"/>
+              </a:buClr>
+              <a:buSzPct val="125000"/>
+              <a:buFont typeface="Times"/>
+              <a:buChar char="•"/>
+              <a:defRPr sz="2000" b="1">
+                <a:solidFill>
+                  <a:schemeClr val="tx1"/>
+                </a:solidFill>
+                <a:latin typeface="Arial" charset="0"/>
+              </a:defRPr>
+            </a:lvl1pPr>
+            <a:lvl2pPr marL="742950" indent="-285750">
+              <a:spcBef>
+                <a:spcPct val="10000"/>
+              </a:spcBef>
+              <a:spcAft>
+                <a:spcPct val="10000"/>
+              </a:spcAft>
+              <a:buClr>
+                <a:schemeClr val="tx1"/>
+              </a:buClr>
+              <a:buChar char="-"/>
+              <a:defRPr sz="2000">
+                <a:solidFill>
+                  <a:schemeClr val="tx1"/>
+                </a:solidFill>
+                <a:latin typeface="Arial" charset="0"/>
+              </a:defRPr>
+            </a:lvl2pPr>
+            <a:lvl3pPr marL="1143000" indent="-228600">
+              <a:spcBef>
+                <a:spcPct val="10000"/>
+              </a:spcBef>
+              <a:spcAft>
+                <a:spcPct val="10000"/>
+              </a:spcAft>
+              <a:buClr>
+                <a:schemeClr val="tx1"/>
+              </a:buClr>
+              <a:buFont typeface="Times"/>
+              <a:buChar char="-"/>
+              <a:defRPr sz="2000" i="1">
+                <a:solidFill>
+                  <a:schemeClr val="tx1"/>
+                </a:solidFill>
+                <a:latin typeface="Arial" charset="0"/>
+              </a:defRPr>
+            </a:lvl3pPr>
+            <a:lvl4pPr marL="1600200" indent="-228600">
+              <a:spcBef>
+                <a:spcPct val="10000"/>
+              </a:spcBef>
+              <a:spcAft>
+                <a:spcPct val="10000"/>
+              </a:spcAft>
+              <a:buClr>
+                <a:schemeClr val="tx1"/>
+              </a:buClr>
+              <a:buFont typeface="Times"/>
+              <a:buChar char="-"/>
+              <a:defRPr sz="2000">
+                <a:solidFill>
+                  <a:schemeClr val="tx1"/>
+                </a:solidFill>
+                <a:latin typeface="Arial" charset="0"/>
+              </a:defRPr>
+            </a:lvl4pPr>
+            <a:lvl5pPr marL="2057400" indent="-228600">
+              <a:spcBef>
+                <a:spcPct val="10000"/>
+              </a:spcBef>
+              <a:spcAft>
+                <a:spcPct val="10000"/>
+              </a:spcAft>
+              <a:buClr>
+                <a:schemeClr val="tx1"/>
+              </a:buClr>
+              <a:buChar char="•"/>
+              <a:defRPr sz="2000">
+                <a:solidFill>
+                  <a:schemeClr val="tx1"/>
+                </a:solidFill>
+                <a:latin typeface="Arial" charset="0"/>
+              </a:defRPr>
+            </a:lvl5pPr>
+            <a:lvl6pPr marL="2514600" indent="-228600" eaLnBrk="0" fontAlgn="base" hangingPunct="0">
+              <a:spcBef>
+                <a:spcPct val="10000"/>
+              </a:spcBef>
+              <a:spcAft>
+                <a:spcPct val="10000"/>
+              </a:spcAft>
+              <a:buClr>
+                <a:schemeClr val="tx1"/>
+              </a:buClr>
+              <a:buChar char="•"/>
+              <a:defRPr sz="2000">
+                <a:solidFill>
+                  <a:schemeClr val="tx1"/>
+                </a:solidFill>
+                <a:latin typeface="Arial" charset="0"/>
+              </a:defRPr>
+            </a:lvl6pPr>
+            <a:lvl7pPr marL="2971800" indent="-228600" eaLnBrk="0" fontAlgn="base" hangingPunct="0">
+              <a:spcBef>
+                <a:spcPct val="10000"/>
+              </a:spcBef>
+              <a:spcAft>
+                <a:spcPct val="10000"/>
+              </a:spcAft>
+              <a:buClr>
+                <a:schemeClr val="tx1"/>
+              </a:buClr>
+              <a:buChar char="•"/>
+              <a:defRPr sz="2000">
+                <a:solidFill>
+                  <a:schemeClr val="tx1"/>
+                </a:solidFill>
+                <a:latin typeface="Arial" charset="0"/>
+              </a:defRPr>
+            </a:lvl7pPr>
+            <a:lvl8pPr marL="3429000" indent="-228600" eaLnBrk="0" fontAlgn="base" hangingPunct="0">
+              <a:spcBef>
+                <a:spcPct val="10000"/>
+              </a:spcBef>
+              <a:spcAft>
+                <a:spcPct val="10000"/>
+              </a:spcAft>
+              <a:buClr>
+                <a:schemeClr val="tx1"/>
+              </a:buClr>
+              <a:buChar char="•"/>
+              <a:defRPr sz="2000">
+                <a:solidFill>
+                  <a:schemeClr val="tx1"/>
+                </a:solidFill>
+                <a:latin typeface="Arial" charset="0"/>
+              </a:defRPr>
+            </a:lvl8pPr>
+            <a:lvl9pPr marL="3886200" indent="-228600" eaLnBrk="0" fontAlgn="base" hangingPunct="0">
+              <a:spcBef>
+                <a:spcPct val="10000"/>
+              </a:spcBef>
+              <a:spcAft>
+                <a:spcPct val="10000"/>
+              </a:spcAft>
+              <a:buClr>
+                <a:schemeClr val="tx1"/>
+              </a:buClr>
+              <a:buChar char="•"/>
+              <a:defRPr sz="2000">
+                <a:solidFill>
+                  <a:schemeClr val="tx1"/>
+                </a:solidFill>
+                <a:latin typeface="Arial" charset="0"/>
+              </a:defRPr>
+            </a:lvl9pPr>
+          </a:lstStyle>
+          <a:p>
+            <a:pPr algn="ctr">
+              <a:spcBef>
+                <a:spcPct val="50000"/>
+              </a:spcBef>
+              <a:spcAft>
+                <a:spcPct val="0"/>
+              </a:spcAft>
+              <a:buClrTx/>
+              <a:buSzTx/>
+              <a:buFontTx/>
+              <a:buNone/>
+            </a:pPr>
+            <a:r>
+              <a:rPr lang="en-US" altLang="en-US" sz="1600" dirty="0" smtClean="0"/>
+              <a:t>RRES</a:t>
+            </a:r>
+            <a:endParaRPr lang="en-US" altLang="en-US" sz="1600" dirty="0"/>
+          </a:p>
+        </p:txBody>
+      </p:sp>
+      <p:sp>
+        <p:nvSpPr>
+          <p:cNvPr id="93" name="Oval 57"/>
+          <p:cNvSpPr>
+            <a:spLocks noChangeArrowheads="1"/>
+          </p:cNvSpPr>
+          <p:nvPr/>
+        </p:nvSpPr>
+        <p:spPr bwMode="auto">
+          <a:xfrm>
+            <a:off x="1413526" y="4549968"/>
+            <a:ext cx="487363" cy="476071"/>
+          </a:xfrm>
+          <a:prstGeom prst="ellipse">
+            <a:avLst/>
+          </a:prstGeom>
+          <a:noFill/>
+          <a:ln w="12700" algn="ctr">
+            <a:solidFill>
+              <a:schemeClr val="tx1"/>
+            </a:solidFill>
+            <a:round/>
+            <a:headEnd/>
+            <a:tailEnd/>
+          </a:ln>
+          <a:effectLst/>
+          <a:extLst>
+            <a:ext uri="{909E8E84-426E-40DD-AFC4-6F175D3DCCD1}">
+              <a14:hiddenFill xmlns:a14="http://schemas.microsoft.com/office/drawing/2010/main">
+                <a:solidFill>
+                  <a:schemeClr val="accent1"/>
+                </a:solidFill>
+              </a14:hiddenFill>
+            </a:ext>
+            <a:ext uri="{AF507438-7753-43E0-B8FC-AC1667EBCBE1}">
+              <a14:hiddenEffects xmlns:a14="http://schemas.microsoft.com/office/drawing/2010/main">
+                <a:effectLst>
+                  <a:outerShdw dist="35921" dir="2700000" algn="ctr" rotWithShape="0">
+                    <a:schemeClr val="bg2"/>
+                  </a:outerShdw>
+                </a:effectLst>
+              </a14:hiddenEffects>
+            </a:ext>
+          </a:extLst>
+        </p:spPr>
+        <p:txBody>
+          <a:bodyPr anchor="ctr">
+            <a:spAutoFit/>
+          </a:bodyPr>
+          <a:lstStyle>
+            <a:lvl1pPr>
+              <a:spcBef>
+                <a:spcPct val="10000"/>
+              </a:spcBef>
+              <a:spcAft>
+                <a:spcPct val="10000"/>
+              </a:spcAft>
+              <a:buClr>
+                <a:srgbClr val="C28500"/>
+              </a:buClr>
+              <a:buSzPct val="125000"/>
+              <a:buFont typeface="Times"/>
+              <a:buChar char="•"/>
+              <a:defRPr sz="2000" b="1">
+                <a:solidFill>
+                  <a:schemeClr val="tx1"/>
+                </a:solidFill>
+                <a:latin typeface="Arial" charset="0"/>
+              </a:defRPr>
+            </a:lvl1pPr>
+            <a:lvl2pPr marL="742950" indent="-285750">
+              <a:spcBef>
+                <a:spcPct val="10000"/>
+              </a:spcBef>
+              <a:spcAft>
+                <a:spcPct val="10000"/>
+              </a:spcAft>
+              <a:buClr>
+                <a:schemeClr val="tx1"/>
+              </a:buClr>
+              <a:buChar char="-"/>
+              <a:defRPr sz="2000">
+                <a:solidFill>
+                  <a:schemeClr val="tx1"/>
+                </a:solidFill>
+                <a:latin typeface="Arial" charset="0"/>
+              </a:defRPr>
+            </a:lvl2pPr>
+            <a:lvl3pPr marL="1143000" indent="-228600">
+              <a:spcBef>
+                <a:spcPct val="10000"/>
+              </a:spcBef>
+              <a:spcAft>
+                <a:spcPct val="10000"/>
+              </a:spcAft>
+              <a:buClr>
+                <a:schemeClr val="tx1"/>
+              </a:buClr>
+              <a:buFont typeface="Times"/>
+              <a:buChar char="-"/>
+              <a:defRPr sz="2000" i="1">
+                <a:solidFill>
+                  <a:schemeClr val="tx1"/>
+                </a:solidFill>
+                <a:latin typeface="Arial" charset="0"/>
+              </a:defRPr>
+            </a:lvl3pPr>
+            <a:lvl4pPr marL="1600200" indent="-228600">
+              <a:spcBef>
+                <a:spcPct val="10000"/>
+              </a:spcBef>
+              <a:spcAft>
+                <a:spcPct val="10000"/>
+              </a:spcAft>
+              <a:buClr>
+                <a:schemeClr val="tx1"/>
+              </a:buClr>
+              <a:buFont typeface="Times"/>
+              <a:buChar char="-"/>
+              <a:defRPr sz="2000">
+                <a:solidFill>
+                  <a:schemeClr val="tx1"/>
+                </a:solidFill>
+                <a:latin typeface="Arial" charset="0"/>
+              </a:defRPr>
+            </a:lvl4pPr>
+            <a:lvl5pPr marL="2057400" indent="-228600">
+              <a:spcBef>
+                <a:spcPct val="10000"/>
+              </a:spcBef>
+              <a:spcAft>
+                <a:spcPct val="10000"/>
+              </a:spcAft>
+              <a:buClr>
+                <a:schemeClr val="tx1"/>
+              </a:buClr>
+              <a:buChar char="•"/>
+              <a:defRPr sz="2000">
+                <a:solidFill>
+                  <a:schemeClr val="tx1"/>
+                </a:solidFill>
+                <a:latin typeface="Arial" charset="0"/>
+              </a:defRPr>
+            </a:lvl5pPr>
+            <a:lvl6pPr marL="2514600" indent="-228600" eaLnBrk="0" fontAlgn="base" hangingPunct="0">
+              <a:spcBef>
+                <a:spcPct val="10000"/>
+              </a:spcBef>
+              <a:spcAft>
+                <a:spcPct val="10000"/>
+              </a:spcAft>
+              <a:buClr>
+                <a:schemeClr val="tx1"/>
+              </a:buClr>
+              <a:buChar char="•"/>
+              <a:defRPr sz="2000">
+                <a:solidFill>
+                  <a:schemeClr val="tx1"/>
+                </a:solidFill>
+                <a:latin typeface="Arial" charset="0"/>
+              </a:defRPr>
+            </a:lvl6pPr>
+            <a:lvl7pPr marL="2971800" indent="-228600" eaLnBrk="0" fontAlgn="base" hangingPunct="0">
+              <a:spcBef>
+                <a:spcPct val="10000"/>
+              </a:spcBef>
+              <a:spcAft>
+                <a:spcPct val="10000"/>
+              </a:spcAft>
+              <a:buClr>
+                <a:schemeClr val="tx1"/>
+              </a:buClr>
+              <a:buChar char="•"/>
+              <a:defRPr sz="2000">
+                <a:solidFill>
+                  <a:schemeClr val="tx1"/>
+                </a:solidFill>
+                <a:latin typeface="Arial" charset="0"/>
+              </a:defRPr>
+            </a:lvl7pPr>
+            <a:lvl8pPr marL="3429000" indent="-228600" eaLnBrk="0" fontAlgn="base" hangingPunct="0">
+              <a:spcBef>
+                <a:spcPct val="10000"/>
+              </a:spcBef>
+              <a:spcAft>
+                <a:spcPct val="10000"/>
+              </a:spcAft>
+              <a:buClr>
+                <a:schemeClr val="tx1"/>
+              </a:buClr>
+              <a:buChar char="•"/>
+              <a:defRPr sz="2000">
+                <a:solidFill>
+                  <a:schemeClr val="tx1"/>
+                </a:solidFill>
+                <a:latin typeface="Arial" charset="0"/>
+              </a:defRPr>
+            </a:lvl8pPr>
+            <a:lvl9pPr marL="3886200" indent="-228600" eaLnBrk="0" fontAlgn="base" hangingPunct="0">
+              <a:spcBef>
+                <a:spcPct val="10000"/>
+              </a:spcBef>
+              <a:spcAft>
+                <a:spcPct val="10000"/>
+              </a:spcAft>
+              <a:buClr>
+                <a:schemeClr val="tx1"/>
+              </a:buClr>
+              <a:buChar char="•"/>
+              <a:defRPr sz="2000">
+                <a:solidFill>
+                  <a:schemeClr val="tx1"/>
+                </a:solidFill>
+                <a:latin typeface="Arial" charset="0"/>
+              </a:defRPr>
+            </a:lvl9pPr>
+          </a:lstStyle>
+          <a:p>
+            <a:pPr algn="ctr">
+              <a:spcBef>
+                <a:spcPct val="50000"/>
+              </a:spcBef>
+              <a:spcAft>
+                <a:spcPct val="0"/>
+              </a:spcAft>
+              <a:buClrTx/>
+              <a:buSzTx/>
+              <a:buFontTx/>
+              <a:buNone/>
+            </a:pPr>
+            <a:r>
+              <a:rPr lang="en-US" altLang="en-US" sz="1600" dirty="0" smtClean="0"/>
+              <a:t>÷</a:t>
+            </a:r>
+            <a:endParaRPr lang="en-US" altLang="en-US" sz="1600" dirty="0"/>
+          </a:p>
+        </p:txBody>
+      </p:sp>
+      <p:cxnSp>
+        <p:nvCxnSpPr>
+          <p:cNvPr id="97" name="AutoShape 61"/>
+          <p:cNvCxnSpPr>
+            <a:cxnSpLocks noChangeShapeType="1"/>
+            <a:endCxn id="93" idx="4"/>
+          </p:cNvCxnSpPr>
+          <p:nvPr/>
+        </p:nvCxnSpPr>
+        <p:spPr bwMode="auto">
+          <a:xfrm flipV="1">
+            <a:off x="1657206" y="5026039"/>
+            <a:ext cx="2" cy="237187"/>
+          </a:xfrm>
+          <a:prstGeom prst="straightConnector1">
+            <a:avLst/>
+          </a:prstGeom>
+          <a:noFill/>
+          <a:ln w="12700">
+            <a:solidFill>
+              <a:schemeClr val="tx1"/>
+            </a:solidFill>
+            <a:round/>
+            <a:headEnd/>
+            <a:tailEnd type="triangle" w="med" len="med"/>
+          </a:ln>
+          <a:effectLst/>
+          <a:extLst>
+            <a:ext uri="{909E8E84-426E-40DD-AFC4-6F175D3DCCD1}">
+              <a14:hiddenFill xmlns:a14="http://schemas.microsoft.com/office/drawing/2010/main">
+                <a:noFill/>
+              </a14:hiddenFill>
+            </a:ext>
+            <a:ext uri="{AF507438-7753-43E0-B8FC-AC1667EBCBE1}">
+              <a14:hiddenEffects xmlns:a14="http://schemas.microsoft.com/office/drawing/2010/main">
+                <a:effectLst>
+                  <a:outerShdw dist="35921" dir="2700000" algn="ctr" rotWithShape="0">
+                    <a:schemeClr val="bg2"/>
+                  </a:outerShdw>
+                </a:effectLst>
+              </a14:hiddenEffects>
+            </a:ext>
+          </a:extLst>
+        </p:spPr>
+      </p:cxnSp>
+      <p:cxnSp>
+        <p:nvCxnSpPr>
+          <p:cNvPr id="101" name="AutoShape 59"/>
+          <p:cNvCxnSpPr>
+            <a:cxnSpLocks noChangeShapeType="1"/>
+            <a:stCxn id="51221" idx="1"/>
+            <a:endCxn id="93" idx="6"/>
+          </p:cNvCxnSpPr>
+          <p:nvPr/>
+        </p:nvCxnSpPr>
+        <p:spPr bwMode="auto">
+          <a:xfrm flipH="1" flipV="1">
+            <a:off x="1900889" y="4788004"/>
+            <a:ext cx="408621" cy="7009"/>
+          </a:xfrm>
+          <a:prstGeom prst="straightConnector1">
+            <a:avLst/>
+          </a:prstGeom>
+          <a:noFill/>
+          <a:ln w="12700">
+            <a:solidFill>
+              <a:schemeClr val="tx1"/>
+            </a:solidFill>
+            <a:round/>
+            <a:headEnd/>
+            <a:tailEnd type="triangle" w="med" len="med"/>
+          </a:ln>
+          <a:effectLst/>
+          <a:extLst>
+            <a:ext uri="{909E8E84-426E-40DD-AFC4-6F175D3DCCD1}">
+              <a14:hiddenFill xmlns:a14="http://schemas.microsoft.com/office/drawing/2010/main">
+                <a:noFill/>
+              </a14:hiddenFill>
+            </a:ext>
+            <a:ext uri="{AF507438-7753-43E0-B8FC-AC1667EBCBE1}">
+              <a14:hiddenEffects xmlns:a14="http://schemas.microsoft.com/office/drawing/2010/main">
+                <a:effectLst>
+                  <a:outerShdw dist="35921" dir="2700000" algn="ctr" rotWithShape="0">
+                    <a:schemeClr val="bg2"/>
+                  </a:outerShdw>
+                </a:effectLst>
+              </a14:hiddenEffects>
+            </a:ext>
+          </a:extLst>
+        </p:spPr>
+      </p:cxnSp>
     </p:spTree>
     <p:extLst>
       <p:ext uri="{BB962C8B-B14F-4D97-AF65-F5344CB8AC3E}">
@@ -39055,27 +37818,7 @@
             </a:pPr>
             <a:r>
               <a:rPr lang="en-US" altLang="en-US" dirty="0" smtClean="0"/>
-              <a:t>If </a:t>
-            </a:r>
-            <a:r>
-              <a:rPr lang="en-US" altLang="en-US" dirty="0" smtClean="0"/>
-              <a:t>[</a:t>
-            </a:r>
-            <a:r>
-              <a:rPr lang="en-US" altLang="en-US" dirty="0" smtClean="0"/>
-              <a:t>RTRY !=0, AND, ((EA_PRESENT </a:t>
-            </a:r>
-            <a:r>
-              <a:rPr lang="en-US" altLang="en-US" dirty="0" smtClean="0"/>
-              <a:t>= True, AND, UEIP == Yes), OR, URIP == Yes</a:t>
-            </a:r>
-            <a:r>
-              <a:rPr lang="en-US" altLang="en-US" dirty="0" smtClean="0"/>
-              <a:t>)] </a:t>
-            </a:r>
-            <a:r>
-              <a:rPr lang="en-US" altLang="en-US" dirty="0" smtClean="0"/>
-              <a:t>is True, then all motor record moves are relative moves.</a:t>
+              <a:t>If [RTRY !=0, AND, ((EA_PRESENT = True, AND, UEIP == Yes), OR, URIP == Yes)] is True, then all motor record moves are relative moves.</a:t>
             </a:r>
           </a:p>
           <a:p>
@@ -42994,11 +41737,7 @@
             </a:pPr>
             <a:r>
               <a:rPr lang="en-US" altLang="en-US" dirty="0" smtClean="0"/>
-              <a:t>Motor module web </a:t>
-            </a:r>
-            <a:r>
-              <a:rPr lang="en-US" altLang="en-US" dirty="0" smtClean="0"/>
-              <a:t>page.</a:t>
+              <a:t>Motor module web page.</a:t>
             </a:r>
           </a:p>
           <a:p>
@@ -43028,7 +41767,6 @@
               <a:rPr lang="en-US" altLang="en-US" dirty="0" smtClean="0"/>
               <a:t> </a:t>
             </a:r>
-            <a:endParaRPr lang="en-US" altLang="en-US" dirty="0" smtClean="0"/>
           </a:p>
           <a:p>
             <a:pPr lvl="0">
@@ -43887,17 +42625,8 @@
           <a:p>
             <a:r>
               <a:rPr lang="en-US" altLang="en-US" dirty="0" smtClean="0"/>
-              <a:t>What’s in </a:t>
-            </a:r>
-            <a:r>
-              <a:rPr lang="en-US" altLang="en-US" dirty="0" smtClean="0"/>
-              <a:t>the Motor module</a:t>
-            </a:r>
-            <a:r>
-              <a:rPr lang="en-US" altLang="en-US" dirty="0" smtClean="0"/>
-              <a:t>?</a:t>
-            </a:r>
-            <a:endParaRPr lang="en-US" altLang="en-US" dirty="0" smtClean="0"/>
+              <a:t>What’s in the Motor module?</a:t>
+            </a:r>
           </a:p>
         </p:txBody>
       </p:sp>
@@ -44821,17 +43550,8 @@
           <a:p>
             <a:r>
               <a:rPr lang="en-US" altLang="en-US" dirty="0" smtClean="0"/>
-              <a:t>What’s in </a:t>
-            </a:r>
-            <a:r>
-              <a:rPr lang="en-US" altLang="en-US" dirty="0" smtClean="0"/>
-              <a:t>the Motor module</a:t>
-            </a:r>
-            <a:r>
-              <a:rPr lang="en-US" altLang="en-US" dirty="0" smtClean="0"/>
-              <a:t>?</a:t>
-            </a:r>
-            <a:endParaRPr lang="en-US" altLang="en-US" dirty="0" smtClean="0"/>
+              <a:t>What’s in the Motor module?</a:t>
+            </a:r>
           </a:p>
         </p:txBody>
       </p:sp>
@@ -45266,19 +43986,7 @@
           <a:p>
             <a:r>
               <a:rPr lang="en-US" altLang="en-US" dirty="0" smtClean="0"/>
-              <a:t>What’s </a:t>
-            </a:r>
-            <a:r>
-              <a:rPr lang="en-US" altLang="en-US" dirty="0" smtClean="0"/>
-              <a:t>the Motor module </a:t>
-            </a:r>
-            <a:r>
-              <a:rPr lang="en-US" altLang="en-US" dirty="0" smtClean="0"/>
-              <a:t>for</a:t>
-            </a:r>
-            <a:r>
-              <a:rPr lang="en-US" altLang="en-US" dirty="0" smtClean="0"/>
-              <a:t>?</a:t>
+              <a:t>What’s the Motor module for?</a:t>
             </a:r>
           </a:p>
         </p:txBody>
